--- a/presentation/Presentation_Laura.pptx
+++ b/presentation/Presentation_Laura.pptx
@@ -5,23 +5,36 @@
     <p:sldMasterId id="2147483672" r:id="rId1"/>
   </p:sldMasterIdLst>
   <p:sldIdLst>
-    <p:sldId id="305" r:id="rId2"/>
-    <p:sldId id="307" r:id="rId3"/>
-    <p:sldId id="306" r:id="rId4"/>
-    <p:sldId id="308" r:id="rId5"/>
-    <p:sldId id="256" r:id="rId6"/>
-    <p:sldId id="257" r:id="rId7"/>
-    <p:sldId id="283" r:id="rId8"/>
-    <p:sldId id="284" r:id="rId9"/>
-    <p:sldId id="285" r:id="rId10"/>
-    <p:sldId id="286" r:id="rId11"/>
-    <p:sldId id="301" r:id="rId12"/>
-    <p:sldId id="287" r:id="rId13"/>
-    <p:sldId id="293" r:id="rId14"/>
-    <p:sldId id="294" r:id="rId15"/>
-    <p:sldId id="295" r:id="rId16"/>
-    <p:sldId id="303" r:id="rId17"/>
-    <p:sldId id="304" r:id="rId18"/>
+    <p:sldId id="321" r:id="rId2"/>
+    <p:sldId id="305" r:id="rId3"/>
+    <p:sldId id="307" r:id="rId4"/>
+    <p:sldId id="306" r:id="rId5"/>
+    <p:sldId id="308" r:id="rId6"/>
+    <p:sldId id="256" r:id="rId7"/>
+    <p:sldId id="257" r:id="rId8"/>
+    <p:sldId id="283" r:id="rId9"/>
+    <p:sldId id="284" r:id="rId10"/>
+    <p:sldId id="285" r:id="rId11"/>
+    <p:sldId id="286" r:id="rId12"/>
+    <p:sldId id="301" r:id="rId13"/>
+    <p:sldId id="287" r:id="rId14"/>
+    <p:sldId id="293" r:id="rId15"/>
+    <p:sldId id="294" r:id="rId16"/>
+    <p:sldId id="295" r:id="rId17"/>
+    <p:sldId id="303" r:id="rId18"/>
+    <p:sldId id="309" r:id="rId19"/>
+    <p:sldId id="310" r:id="rId20"/>
+    <p:sldId id="311" r:id="rId21"/>
+    <p:sldId id="312" r:id="rId22"/>
+    <p:sldId id="313" r:id="rId23"/>
+    <p:sldId id="314" r:id="rId24"/>
+    <p:sldId id="315" r:id="rId25"/>
+    <p:sldId id="316" r:id="rId26"/>
+    <p:sldId id="317" r:id="rId27"/>
+    <p:sldId id="318" r:id="rId28"/>
+    <p:sldId id="319" r:id="rId29"/>
+    <p:sldId id="320" r:id="rId30"/>
+    <p:sldId id="304" r:id="rId31"/>
   </p:sldIdLst>
   <p:sldSz cx="12192000" cy="6858000"/>
   <p:notesSz cx="6858000" cy="9144000"/>
@@ -5419,10 +5432,10 @@
       </p:grpSpPr>
       <p:sp>
         <p:nvSpPr>
-          <p:cNvPr id="4" name="Content Placeholder 3">
+          <p:cNvPr id="2" name="Title 1">
             <a:extLst>
               <a:ext uri="{FF2B5EF4-FFF2-40B4-BE49-F238E27FC236}">
-                <a16:creationId xmlns:a16="http://schemas.microsoft.com/office/drawing/2014/main" id="{2BEC370D-644D-5043-2625-29C0468D0DF4}"/>
+                <a16:creationId xmlns:a16="http://schemas.microsoft.com/office/drawing/2014/main" id="{D21C393E-EB8A-0DB4-DF1C-04ADCD223628}"/>
               </a:ext>
             </a:extLst>
           </p:cNvPr>
@@ -5430,13 +5443,139 @@
             <a:spLocks noGrp="1"/>
           </p:cNvSpPr>
           <p:nvPr>
-            <p:ph idx="1"/>
+            <p:ph type="ctrTitle"/>
           </p:nvPr>
+        </p:nvSpPr>
+        <p:spPr/>
+        <p:txBody>
+          <a:bodyPr/>
+          <a:lstStyle/>
+          <a:p>
+            <a:r>
+              <a:rPr lang="en-GB" b="1" dirty="0" err="1"/>
+              <a:t>StreamFlix</a:t>
+            </a:r>
+            <a:r>
+              <a:rPr lang="en-GB" b="1" dirty="0"/>
+              <a:t> Global Viewer Insights</a:t>
+            </a:r>
+            <a:endParaRPr lang="en-GB" dirty="0"/>
+          </a:p>
+        </p:txBody>
+      </p:sp>
+      <p:sp>
+        <p:nvSpPr>
+          <p:cNvPr id="3" name="Subtitle 2">
+            <a:extLst>
+              <a:ext uri="{FF2B5EF4-FFF2-40B4-BE49-F238E27FC236}">
+                <a16:creationId xmlns:a16="http://schemas.microsoft.com/office/drawing/2014/main" id="{01D26BB3-1FD8-C660-C905-A6255F6D846C}"/>
+              </a:ext>
+            </a:extLst>
+          </p:cNvPr>
+          <p:cNvSpPr>
+            <a:spLocks noGrp="1"/>
+          </p:cNvSpPr>
+          <p:nvPr>
+            <p:ph type="subTitle" idx="1"/>
+          </p:nvPr>
+        </p:nvSpPr>
+        <p:spPr/>
+        <p:txBody>
+          <a:bodyPr/>
+          <a:lstStyle/>
+          <a:p>
+            <a:r>
+              <a:rPr lang="en-GB" dirty="0"/>
+              <a:t>Alexander Brown</a:t>
+            </a:r>
+            <a:br>
+              <a:rPr lang="en-GB" dirty="0"/>
+            </a:br>
+            <a:r>
+              <a:rPr lang="en-GB" dirty="0"/>
+              <a:t>Anisha Issac</a:t>
+            </a:r>
+            <a:br>
+              <a:rPr lang="en-GB" dirty="0"/>
+            </a:br>
+            <a:r>
+              <a:rPr lang="en-GB" dirty="0"/>
+              <a:t>Laura Vuong</a:t>
+            </a:r>
+            <a:br>
+              <a:rPr lang="en-GB" dirty="0"/>
+            </a:br>
+            <a:r>
+              <a:rPr lang="en-GB" dirty="0"/>
+              <a:t>Sreelakshmi </a:t>
+            </a:r>
+            <a:r>
+              <a:rPr lang="en-GB" dirty="0" err="1"/>
+              <a:t>Sudey</a:t>
+            </a:r>
+            <a:endParaRPr lang="en-gb" dirty="0">
+              <a:solidFill>
+                <a:schemeClr val="tx1"/>
+              </a:solidFill>
+            </a:endParaRPr>
+          </a:p>
+          <a:p>
+            <a:endParaRPr lang="en-GB" dirty="0"/>
+          </a:p>
+        </p:txBody>
+      </p:sp>
+    </p:spTree>
+    <p:extLst>
+      <p:ext uri="{BB962C8B-B14F-4D97-AF65-F5344CB8AC3E}">
+        <p14:creationId xmlns:p14="http://schemas.microsoft.com/office/powerpoint/2010/main" val="2274807933"/>
+      </p:ext>
+    </p:extLst>
+  </p:cSld>
+  <p:clrMapOvr>
+    <a:masterClrMapping/>
+  </p:clrMapOvr>
+</p:sld>
+</file>
+
+<file path=ppt/slides/slide10.xml><?xml version="1.0" encoding="utf-8"?>
+<p:sld xmlns:a="http://schemas.openxmlformats.org/drawingml/2006/main" xmlns:r="http://schemas.openxmlformats.org/officeDocument/2006/relationships" xmlns:p="http://schemas.openxmlformats.org/presentationml/2006/main">
+  <p:cSld>
+    <p:spTree>
+      <p:nvGrpSpPr>
+        <p:cNvPr id="1" name="">
+          <a:extLst>
+            <a:ext uri="{FF2B5EF4-FFF2-40B4-BE49-F238E27FC236}">
+              <a16:creationId xmlns:a16="http://schemas.microsoft.com/office/drawing/2014/main" id="{52C1ACB4-7BAF-1166-84F7-AFC488F1D3D6}"/>
+            </a:ext>
+          </a:extLst>
+        </p:cNvPr>
+        <p:cNvGrpSpPr/>
+        <p:nvPr/>
+      </p:nvGrpSpPr>
+      <p:grpSpPr>
+        <a:xfrm>
+          <a:off x="0" y="0"/>
+          <a:ext cx="0" cy="0"/>
+          <a:chOff x="0" y="0"/>
+          <a:chExt cx="0" cy="0"/>
+        </a:xfrm>
+      </p:grpSpPr>
+      <p:sp>
+        <p:nvSpPr>
+          <p:cNvPr id="24" name="Rectangle: Rounded Corners 23">
+            <a:extLst>
+              <a:ext uri="{FF2B5EF4-FFF2-40B4-BE49-F238E27FC236}">
+                <a16:creationId xmlns:a16="http://schemas.microsoft.com/office/drawing/2014/main" id="{96258E2B-89A2-0CDB-22C7-F4E547E01FD4}"/>
+              </a:ext>
+            </a:extLst>
+          </p:cNvPr>
+          <p:cNvSpPr/>
+          <p:nvPr/>
         </p:nvSpPr>
         <p:spPr>
           <a:xfrm>
-            <a:off x="1828800" y="1245093"/>
-            <a:ext cx="8534400" cy="3614738"/>
+            <a:off x="2131667" y="2235629"/>
+            <a:ext cx="8368496" cy="2389693"/>
           </a:xfrm>
           <a:prstGeom prst="roundRect">
             <a:avLst/>
@@ -5469,26 +5608,895 @@
             <a:pPr algn="ctr"/>
             <a:r>
               <a:rPr lang="en-AU" sz="6000" dirty="0"/>
-              <a:t>Top 10 Movies</a:t>
-            </a:r>
-            <a:endParaRPr lang="en-AU" sz="5000" dirty="0"/>
+              <a:t>Age Group</a:t>
+            </a:r>
+          </a:p>
+          <a:p>
+            <a:pPr algn="ctr"/>
+            <a:r>
+              <a:rPr lang="en-AU" sz="5000" dirty="0"/>
+              <a:t>Adult (36 - 55)</a:t>
+            </a:r>
           </a:p>
         </p:txBody>
       </p:sp>
+      <p:pic>
+        <p:nvPicPr>
+          <p:cNvPr id="9" name="Picture 8">
+            <a:extLst>
+              <a:ext uri="{FF2B5EF4-FFF2-40B4-BE49-F238E27FC236}">
+                <a16:creationId xmlns:a16="http://schemas.microsoft.com/office/drawing/2014/main" id="{12F69BFA-3499-9CC4-E7FA-960613641F89}"/>
+              </a:ext>
+            </a:extLst>
+          </p:cNvPr>
+          <p:cNvPicPr>
+            <a:picLocks noChangeAspect="1"/>
+          </p:cNvPicPr>
+          <p:nvPr/>
+        </p:nvPicPr>
+        <p:blipFill>
+          <a:blip r:embed="rId2"/>
+          <a:stretch>
+            <a:fillRect/>
+          </a:stretch>
+        </p:blipFill>
+        <p:spPr>
+          <a:xfrm>
+            <a:off x="171450" y="23525"/>
+            <a:ext cx="11866221" cy="6801138"/>
+          </a:xfrm>
+          <a:prstGeom prst="rect">
+            <a:avLst/>
+          </a:prstGeom>
+        </p:spPr>
+      </p:pic>
+      <p:sp>
+        <p:nvSpPr>
+          <p:cNvPr id="10" name="Rectangle: Rounded Corners 9">
+            <a:extLst>
+              <a:ext uri="{FF2B5EF4-FFF2-40B4-BE49-F238E27FC236}">
+                <a16:creationId xmlns:a16="http://schemas.microsoft.com/office/drawing/2014/main" id="{BD163380-5A70-AA82-5D20-B3C45CE832D8}"/>
+              </a:ext>
+            </a:extLst>
+          </p:cNvPr>
+          <p:cNvSpPr/>
+          <p:nvPr/>
+        </p:nvSpPr>
+        <p:spPr>
+          <a:xfrm>
+            <a:off x="4159241" y="2687660"/>
+            <a:ext cx="542925" cy="333375"/>
+          </a:xfrm>
+          <a:prstGeom prst="roundRect">
+            <a:avLst/>
+          </a:prstGeom>
+          <a:noFill/>
+          <a:ln w="28575">
+            <a:solidFill>
+              <a:srgbClr val="FF0000"/>
+            </a:solidFill>
+          </a:ln>
+        </p:spPr>
+        <p:style>
+          <a:lnRef idx="2">
+            <a:schemeClr val="accent1">
+              <a:shade val="15000"/>
+            </a:schemeClr>
+          </a:lnRef>
+          <a:fillRef idx="1">
+            <a:schemeClr val="accent1"/>
+          </a:fillRef>
+          <a:effectRef idx="0">
+            <a:schemeClr val="accent1"/>
+          </a:effectRef>
+          <a:fontRef idx="minor">
+            <a:schemeClr val="lt1"/>
+          </a:fontRef>
+        </p:style>
+        <p:txBody>
+          <a:bodyPr rtlCol="0" anchor="ctr"/>
+          <a:lstStyle/>
+          <a:p>
+            <a:pPr algn="ctr"/>
+            <a:endParaRPr lang="en-AU"/>
+          </a:p>
+        </p:txBody>
+      </p:sp>
+      <p:cxnSp>
+        <p:nvCxnSpPr>
+          <p:cNvPr id="11" name="Straight Arrow Connector 10">
+            <a:extLst>
+              <a:ext uri="{FF2B5EF4-FFF2-40B4-BE49-F238E27FC236}">
+                <a16:creationId xmlns:a16="http://schemas.microsoft.com/office/drawing/2014/main" id="{EB0287C4-4D0D-6C58-6416-B179DB656AFB}"/>
+              </a:ext>
+            </a:extLst>
+          </p:cNvPr>
+          <p:cNvCxnSpPr>
+            <a:cxnSpLocks/>
+          </p:cNvCxnSpPr>
+          <p:nvPr/>
+        </p:nvCxnSpPr>
+        <p:spPr>
+          <a:xfrm flipV="1">
+            <a:off x="3238985" y="2853684"/>
+            <a:ext cx="750737" cy="369597"/>
+          </a:xfrm>
+          <a:prstGeom prst="straightConnector1">
+            <a:avLst/>
+          </a:prstGeom>
+          <a:ln w="28575">
+            <a:solidFill>
+              <a:srgbClr val="FF0000">
+                <a:alpha val="60000"/>
+              </a:srgbClr>
+            </a:solidFill>
+            <a:tailEnd type="triangle"/>
+          </a:ln>
+        </p:spPr>
+        <p:style>
+          <a:lnRef idx="1">
+            <a:schemeClr val="accent1"/>
+          </a:lnRef>
+          <a:fillRef idx="0">
+            <a:schemeClr val="accent1"/>
+          </a:fillRef>
+          <a:effectRef idx="0">
+            <a:schemeClr val="accent1"/>
+          </a:effectRef>
+          <a:fontRef idx="minor">
+            <a:schemeClr val="tx1"/>
+          </a:fontRef>
+        </p:style>
+      </p:cxnSp>
+      <p:sp>
+        <p:nvSpPr>
+          <p:cNvPr id="12" name="Rectangle: Rounded Corners 11">
+            <a:extLst>
+              <a:ext uri="{FF2B5EF4-FFF2-40B4-BE49-F238E27FC236}">
+                <a16:creationId xmlns:a16="http://schemas.microsoft.com/office/drawing/2014/main" id="{A23AE90F-1BEF-86F6-95E2-9903C9DE2855}"/>
+              </a:ext>
+            </a:extLst>
+          </p:cNvPr>
+          <p:cNvSpPr/>
+          <p:nvPr/>
+        </p:nvSpPr>
+        <p:spPr>
+          <a:xfrm>
+            <a:off x="3503654" y="4336620"/>
+            <a:ext cx="447675" cy="238126"/>
+          </a:xfrm>
+          <a:prstGeom prst="roundRect">
+            <a:avLst/>
+          </a:prstGeom>
+          <a:noFill/>
+          <a:ln w="28575">
+            <a:solidFill>
+              <a:srgbClr val="FF0000"/>
+            </a:solidFill>
+          </a:ln>
+        </p:spPr>
+        <p:style>
+          <a:lnRef idx="2">
+            <a:schemeClr val="accent1">
+              <a:shade val="15000"/>
+            </a:schemeClr>
+          </a:lnRef>
+          <a:fillRef idx="1">
+            <a:schemeClr val="accent1"/>
+          </a:fillRef>
+          <a:effectRef idx="0">
+            <a:schemeClr val="accent1"/>
+          </a:effectRef>
+          <a:fontRef idx="minor">
+            <a:schemeClr val="lt1"/>
+          </a:fontRef>
+        </p:style>
+        <p:txBody>
+          <a:bodyPr rtlCol="0" anchor="ctr"/>
+          <a:lstStyle/>
+          <a:p>
+            <a:pPr algn="ctr"/>
+            <a:endParaRPr lang="en-AU"/>
+          </a:p>
+        </p:txBody>
+      </p:sp>
+      <p:cxnSp>
+        <p:nvCxnSpPr>
+          <p:cNvPr id="13" name="Straight Arrow Connector 12">
+            <a:extLst>
+              <a:ext uri="{FF2B5EF4-FFF2-40B4-BE49-F238E27FC236}">
+                <a16:creationId xmlns:a16="http://schemas.microsoft.com/office/drawing/2014/main" id="{1A5A040C-45DC-02D5-A5A4-36B215620181}"/>
+              </a:ext>
+            </a:extLst>
+          </p:cNvPr>
+          <p:cNvCxnSpPr>
+            <a:cxnSpLocks/>
+          </p:cNvCxnSpPr>
+          <p:nvPr/>
+        </p:nvCxnSpPr>
+        <p:spPr>
+          <a:xfrm>
+            <a:off x="2973388" y="4213654"/>
+            <a:ext cx="523875" cy="114299"/>
+          </a:xfrm>
+          <a:prstGeom prst="straightConnector1">
+            <a:avLst/>
+          </a:prstGeom>
+          <a:ln w="28575">
+            <a:solidFill>
+              <a:srgbClr val="FF0000">
+                <a:alpha val="60000"/>
+              </a:srgbClr>
+            </a:solidFill>
+            <a:tailEnd type="triangle"/>
+          </a:ln>
+        </p:spPr>
+        <p:style>
+          <a:lnRef idx="1">
+            <a:schemeClr val="accent1"/>
+          </a:lnRef>
+          <a:fillRef idx="0">
+            <a:schemeClr val="accent1"/>
+          </a:fillRef>
+          <a:effectRef idx="0">
+            <a:schemeClr val="accent1"/>
+          </a:effectRef>
+          <a:fontRef idx="minor">
+            <a:schemeClr val="tx1"/>
+          </a:fontRef>
+        </p:style>
+      </p:cxnSp>
+      <p:sp>
+        <p:nvSpPr>
+          <p:cNvPr id="17" name="Rectangle: Rounded Corners 16">
+            <a:extLst>
+              <a:ext uri="{FF2B5EF4-FFF2-40B4-BE49-F238E27FC236}">
+                <a16:creationId xmlns:a16="http://schemas.microsoft.com/office/drawing/2014/main" id="{A2962EAE-3337-B909-3691-1A2F4D6D5E39}"/>
+              </a:ext>
+            </a:extLst>
+          </p:cNvPr>
+          <p:cNvSpPr/>
+          <p:nvPr/>
+        </p:nvSpPr>
+        <p:spPr>
+          <a:xfrm>
+            <a:off x="8574427" y="2119437"/>
+            <a:ext cx="542925" cy="333375"/>
+          </a:xfrm>
+          <a:prstGeom prst="roundRect">
+            <a:avLst/>
+          </a:prstGeom>
+          <a:noFill/>
+          <a:ln w="28575">
+            <a:solidFill>
+              <a:srgbClr val="FF0000"/>
+            </a:solidFill>
+          </a:ln>
+        </p:spPr>
+        <p:style>
+          <a:lnRef idx="2">
+            <a:schemeClr val="accent1">
+              <a:shade val="15000"/>
+            </a:schemeClr>
+          </a:lnRef>
+          <a:fillRef idx="1">
+            <a:schemeClr val="accent1"/>
+          </a:fillRef>
+          <a:effectRef idx="0">
+            <a:schemeClr val="accent1"/>
+          </a:effectRef>
+          <a:fontRef idx="minor">
+            <a:schemeClr val="lt1"/>
+          </a:fontRef>
+        </p:style>
+        <p:txBody>
+          <a:bodyPr rtlCol="0" anchor="ctr"/>
+          <a:lstStyle/>
+          <a:p>
+            <a:pPr algn="ctr"/>
+            <a:endParaRPr lang="en-AU"/>
+          </a:p>
+        </p:txBody>
+      </p:sp>
+      <p:cxnSp>
+        <p:nvCxnSpPr>
+          <p:cNvPr id="18" name="Straight Arrow Connector 17">
+            <a:extLst>
+              <a:ext uri="{FF2B5EF4-FFF2-40B4-BE49-F238E27FC236}">
+                <a16:creationId xmlns:a16="http://schemas.microsoft.com/office/drawing/2014/main" id="{33B7FC01-449F-74B4-FCEC-905775E782EE}"/>
+              </a:ext>
+            </a:extLst>
+          </p:cNvPr>
+          <p:cNvCxnSpPr>
+            <a:cxnSpLocks/>
+          </p:cNvCxnSpPr>
+          <p:nvPr/>
+        </p:nvCxnSpPr>
+        <p:spPr>
+          <a:xfrm flipV="1">
+            <a:off x="8218026" y="2512974"/>
+            <a:ext cx="488067" cy="994196"/>
+          </a:xfrm>
+          <a:prstGeom prst="straightConnector1">
+            <a:avLst/>
+          </a:prstGeom>
+          <a:ln w="28575">
+            <a:solidFill>
+              <a:srgbClr val="FF0000">
+                <a:alpha val="60000"/>
+              </a:srgbClr>
+            </a:solidFill>
+            <a:tailEnd type="triangle"/>
+          </a:ln>
+        </p:spPr>
+        <p:style>
+          <a:lnRef idx="1">
+            <a:schemeClr val="accent1"/>
+          </a:lnRef>
+          <a:fillRef idx="0">
+            <a:schemeClr val="accent1"/>
+          </a:fillRef>
+          <a:effectRef idx="0">
+            <a:schemeClr val="accent1"/>
+          </a:effectRef>
+          <a:fontRef idx="minor">
+            <a:schemeClr val="tx1"/>
+          </a:fontRef>
+        </p:style>
+      </p:cxnSp>
+      <p:sp>
+        <p:nvSpPr>
+          <p:cNvPr id="19" name="Rectangle: Rounded Corners 18">
+            <a:extLst>
+              <a:ext uri="{FF2B5EF4-FFF2-40B4-BE49-F238E27FC236}">
+                <a16:creationId xmlns:a16="http://schemas.microsoft.com/office/drawing/2014/main" id="{603BB61B-38B4-8CAA-4763-E01386C12F1E}"/>
+              </a:ext>
+            </a:extLst>
+          </p:cNvPr>
+          <p:cNvSpPr/>
+          <p:nvPr/>
+        </p:nvSpPr>
+        <p:spPr>
+          <a:xfrm>
+            <a:off x="6329803" y="5438143"/>
+            <a:ext cx="5279605" cy="261836"/>
+          </a:xfrm>
+          <a:prstGeom prst="roundRect">
+            <a:avLst/>
+          </a:prstGeom>
+          <a:noFill/>
+          <a:ln w="28575">
+            <a:solidFill>
+              <a:srgbClr val="FF0000"/>
+            </a:solidFill>
+          </a:ln>
+        </p:spPr>
+        <p:style>
+          <a:lnRef idx="2">
+            <a:schemeClr val="accent1">
+              <a:shade val="15000"/>
+            </a:schemeClr>
+          </a:lnRef>
+          <a:fillRef idx="1">
+            <a:schemeClr val="accent1"/>
+          </a:fillRef>
+          <a:effectRef idx="0">
+            <a:schemeClr val="accent1"/>
+          </a:effectRef>
+          <a:fontRef idx="minor">
+            <a:schemeClr val="lt1"/>
+          </a:fontRef>
+        </p:style>
+        <p:txBody>
+          <a:bodyPr rtlCol="0" anchor="ctr"/>
+          <a:lstStyle/>
+          <a:p>
+            <a:pPr algn="ctr"/>
+            <a:endParaRPr lang="en-AU"/>
+          </a:p>
+        </p:txBody>
+      </p:sp>
+      <p:cxnSp>
+        <p:nvCxnSpPr>
+          <p:cNvPr id="20" name="Straight Arrow Connector 19">
+            <a:extLst>
+              <a:ext uri="{FF2B5EF4-FFF2-40B4-BE49-F238E27FC236}">
+                <a16:creationId xmlns:a16="http://schemas.microsoft.com/office/drawing/2014/main" id="{440F3A5A-1CC7-CC2E-92AD-6441165055DA}"/>
+              </a:ext>
+            </a:extLst>
+          </p:cNvPr>
+          <p:cNvCxnSpPr>
+            <a:cxnSpLocks/>
+          </p:cNvCxnSpPr>
+          <p:nvPr/>
+        </p:nvCxnSpPr>
+        <p:spPr>
+          <a:xfrm>
+            <a:off x="5799537" y="5315177"/>
+            <a:ext cx="427643" cy="261836"/>
+          </a:xfrm>
+          <a:prstGeom prst="straightConnector1">
+            <a:avLst/>
+          </a:prstGeom>
+          <a:ln w="28575">
+            <a:solidFill>
+              <a:srgbClr val="FF0000">
+                <a:alpha val="60000"/>
+              </a:srgbClr>
+            </a:solidFill>
+            <a:tailEnd type="triangle"/>
+          </a:ln>
+        </p:spPr>
+        <p:style>
+          <a:lnRef idx="1">
+            <a:schemeClr val="accent1"/>
+          </a:lnRef>
+          <a:fillRef idx="0">
+            <a:schemeClr val="accent1"/>
+          </a:fillRef>
+          <a:effectRef idx="0">
+            <a:schemeClr val="accent1"/>
+          </a:effectRef>
+          <a:fontRef idx="minor">
+            <a:schemeClr val="tx1"/>
+          </a:fontRef>
+        </p:style>
+      </p:cxnSp>
     </p:spTree>
     <p:extLst>
       <p:ext uri="{BB962C8B-B14F-4D97-AF65-F5344CB8AC3E}">
-        <p14:creationId xmlns:p14="http://schemas.microsoft.com/office/powerpoint/2010/main" val="3436168471"/>
+        <p14:creationId xmlns:p14="http://schemas.microsoft.com/office/powerpoint/2010/main" val="3653867774"/>
       </p:ext>
     </p:extLst>
   </p:cSld>
   <p:clrMapOvr>
     <a:masterClrMapping/>
   </p:clrMapOvr>
+  <p:timing>
+    <p:tnLst>
+      <p:par>
+        <p:cTn id="1" dur="indefinite" restart="never" nodeType="tmRoot">
+          <p:childTnLst>
+            <p:seq concurrent="1" nextAc="seek">
+              <p:cTn id="2" dur="indefinite" nodeType="mainSeq">
+                <p:childTnLst>
+                  <p:par>
+                    <p:cTn id="3" fill="hold">
+                      <p:stCondLst>
+                        <p:cond delay="indefinite"/>
+                      </p:stCondLst>
+                      <p:childTnLst>
+                        <p:par>
+                          <p:cTn id="4" fill="hold">
+                            <p:stCondLst>
+                              <p:cond delay="0"/>
+                            </p:stCondLst>
+                            <p:childTnLst>
+                              <p:par>
+                                <p:cTn id="5" presetID="10" presetClass="entr" presetSubtype="0" fill="hold" nodeType="clickEffect">
+                                  <p:stCondLst>
+                                    <p:cond delay="0"/>
+                                  </p:stCondLst>
+                                  <p:childTnLst>
+                                    <p:set>
+                                      <p:cBhvr>
+                                        <p:cTn id="6" dur="1" fill="hold">
+                                          <p:stCondLst>
+                                            <p:cond delay="0"/>
+                                          </p:stCondLst>
+                                        </p:cTn>
+                                        <p:tgtEl>
+                                          <p:spTgt spid="9"/>
+                                        </p:tgtEl>
+                                        <p:attrNameLst>
+                                          <p:attrName>style.visibility</p:attrName>
+                                        </p:attrNameLst>
+                                      </p:cBhvr>
+                                      <p:to>
+                                        <p:strVal val="visible"/>
+                                      </p:to>
+                                    </p:set>
+                                    <p:animEffect transition="in" filter="fade">
+                                      <p:cBhvr>
+                                        <p:cTn id="7" dur="500"/>
+                                        <p:tgtEl>
+                                          <p:spTgt spid="9"/>
+                                        </p:tgtEl>
+                                      </p:cBhvr>
+                                    </p:animEffect>
+                                  </p:childTnLst>
+                                </p:cTn>
+                              </p:par>
+                            </p:childTnLst>
+                          </p:cTn>
+                        </p:par>
+                      </p:childTnLst>
+                    </p:cTn>
+                  </p:par>
+                  <p:par>
+                    <p:cTn id="8" fill="hold">
+                      <p:stCondLst>
+                        <p:cond delay="indefinite"/>
+                      </p:stCondLst>
+                      <p:childTnLst>
+                        <p:par>
+                          <p:cTn id="9" fill="hold">
+                            <p:stCondLst>
+                              <p:cond delay="0"/>
+                            </p:stCondLst>
+                            <p:childTnLst>
+                              <p:par>
+                                <p:cTn id="10" presetID="10" presetClass="entr" presetSubtype="0" fill="hold" nodeType="clickEffect">
+                                  <p:stCondLst>
+                                    <p:cond delay="0"/>
+                                  </p:stCondLst>
+                                  <p:childTnLst>
+                                    <p:set>
+                                      <p:cBhvr>
+                                        <p:cTn id="11" dur="1" fill="hold">
+                                          <p:stCondLst>
+                                            <p:cond delay="0"/>
+                                          </p:stCondLst>
+                                        </p:cTn>
+                                        <p:tgtEl>
+                                          <p:spTgt spid="11"/>
+                                        </p:tgtEl>
+                                        <p:attrNameLst>
+                                          <p:attrName>style.visibility</p:attrName>
+                                        </p:attrNameLst>
+                                      </p:cBhvr>
+                                      <p:to>
+                                        <p:strVal val="visible"/>
+                                      </p:to>
+                                    </p:set>
+                                    <p:animEffect transition="in" filter="fade">
+                                      <p:cBhvr>
+                                        <p:cTn id="12" dur="500"/>
+                                        <p:tgtEl>
+                                          <p:spTgt spid="11"/>
+                                        </p:tgtEl>
+                                      </p:cBhvr>
+                                    </p:animEffect>
+                                  </p:childTnLst>
+                                </p:cTn>
+                              </p:par>
+                              <p:par>
+                                <p:cTn id="13" presetID="10" presetClass="entr" presetSubtype="0" fill="hold" grpId="0" nodeType="withEffect">
+                                  <p:stCondLst>
+                                    <p:cond delay="0"/>
+                                  </p:stCondLst>
+                                  <p:childTnLst>
+                                    <p:set>
+                                      <p:cBhvr>
+                                        <p:cTn id="14" dur="1" fill="hold">
+                                          <p:stCondLst>
+                                            <p:cond delay="0"/>
+                                          </p:stCondLst>
+                                        </p:cTn>
+                                        <p:tgtEl>
+                                          <p:spTgt spid="10"/>
+                                        </p:tgtEl>
+                                        <p:attrNameLst>
+                                          <p:attrName>style.visibility</p:attrName>
+                                        </p:attrNameLst>
+                                      </p:cBhvr>
+                                      <p:to>
+                                        <p:strVal val="visible"/>
+                                      </p:to>
+                                    </p:set>
+                                    <p:animEffect transition="in" filter="fade">
+                                      <p:cBhvr>
+                                        <p:cTn id="15" dur="500"/>
+                                        <p:tgtEl>
+                                          <p:spTgt spid="10"/>
+                                        </p:tgtEl>
+                                      </p:cBhvr>
+                                    </p:animEffect>
+                                  </p:childTnLst>
+                                </p:cTn>
+                              </p:par>
+                            </p:childTnLst>
+                          </p:cTn>
+                        </p:par>
+                      </p:childTnLst>
+                    </p:cTn>
+                  </p:par>
+                  <p:par>
+                    <p:cTn id="16" fill="hold">
+                      <p:stCondLst>
+                        <p:cond delay="indefinite"/>
+                      </p:stCondLst>
+                      <p:childTnLst>
+                        <p:par>
+                          <p:cTn id="17" fill="hold">
+                            <p:stCondLst>
+                              <p:cond delay="0"/>
+                            </p:stCondLst>
+                            <p:childTnLst>
+                              <p:par>
+                                <p:cTn id="18" presetID="10" presetClass="entr" presetSubtype="0" fill="hold" nodeType="clickEffect">
+                                  <p:stCondLst>
+                                    <p:cond delay="0"/>
+                                  </p:stCondLst>
+                                  <p:childTnLst>
+                                    <p:set>
+                                      <p:cBhvr>
+                                        <p:cTn id="19" dur="1" fill="hold">
+                                          <p:stCondLst>
+                                            <p:cond delay="0"/>
+                                          </p:stCondLst>
+                                        </p:cTn>
+                                        <p:tgtEl>
+                                          <p:spTgt spid="13"/>
+                                        </p:tgtEl>
+                                        <p:attrNameLst>
+                                          <p:attrName>style.visibility</p:attrName>
+                                        </p:attrNameLst>
+                                      </p:cBhvr>
+                                      <p:to>
+                                        <p:strVal val="visible"/>
+                                      </p:to>
+                                    </p:set>
+                                    <p:animEffect transition="in" filter="fade">
+                                      <p:cBhvr>
+                                        <p:cTn id="20" dur="500"/>
+                                        <p:tgtEl>
+                                          <p:spTgt spid="13"/>
+                                        </p:tgtEl>
+                                      </p:cBhvr>
+                                    </p:animEffect>
+                                  </p:childTnLst>
+                                </p:cTn>
+                              </p:par>
+                              <p:par>
+                                <p:cTn id="21" presetID="10" presetClass="entr" presetSubtype="0" fill="hold" grpId="0" nodeType="withEffect">
+                                  <p:stCondLst>
+                                    <p:cond delay="0"/>
+                                  </p:stCondLst>
+                                  <p:childTnLst>
+                                    <p:set>
+                                      <p:cBhvr>
+                                        <p:cTn id="22" dur="1" fill="hold">
+                                          <p:stCondLst>
+                                            <p:cond delay="0"/>
+                                          </p:stCondLst>
+                                        </p:cTn>
+                                        <p:tgtEl>
+                                          <p:spTgt spid="12"/>
+                                        </p:tgtEl>
+                                        <p:attrNameLst>
+                                          <p:attrName>style.visibility</p:attrName>
+                                        </p:attrNameLst>
+                                      </p:cBhvr>
+                                      <p:to>
+                                        <p:strVal val="visible"/>
+                                      </p:to>
+                                    </p:set>
+                                    <p:animEffect transition="in" filter="fade">
+                                      <p:cBhvr>
+                                        <p:cTn id="23" dur="500"/>
+                                        <p:tgtEl>
+                                          <p:spTgt spid="12"/>
+                                        </p:tgtEl>
+                                      </p:cBhvr>
+                                    </p:animEffect>
+                                  </p:childTnLst>
+                                </p:cTn>
+                              </p:par>
+                            </p:childTnLst>
+                          </p:cTn>
+                        </p:par>
+                      </p:childTnLst>
+                    </p:cTn>
+                  </p:par>
+                  <p:par>
+                    <p:cTn id="24" fill="hold">
+                      <p:stCondLst>
+                        <p:cond delay="indefinite"/>
+                      </p:stCondLst>
+                      <p:childTnLst>
+                        <p:par>
+                          <p:cTn id="25" fill="hold">
+                            <p:stCondLst>
+                              <p:cond delay="0"/>
+                            </p:stCondLst>
+                            <p:childTnLst>
+                              <p:par>
+                                <p:cTn id="26" presetID="10" presetClass="entr" presetSubtype="0" fill="hold" grpId="0" nodeType="clickEffect">
+                                  <p:stCondLst>
+                                    <p:cond delay="0"/>
+                                  </p:stCondLst>
+                                  <p:childTnLst>
+                                    <p:set>
+                                      <p:cBhvr>
+                                        <p:cTn id="27" dur="1" fill="hold">
+                                          <p:stCondLst>
+                                            <p:cond delay="0"/>
+                                          </p:stCondLst>
+                                        </p:cTn>
+                                        <p:tgtEl>
+                                          <p:spTgt spid="17"/>
+                                        </p:tgtEl>
+                                        <p:attrNameLst>
+                                          <p:attrName>style.visibility</p:attrName>
+                                        </p:attrNameLst>
+                                      </p:cBhvr>
+                                      <p:to>
+                                        <p:strVal val="visible"/>
+                                      </p:to>
+                                    </p:set>
+                                    <p:animEffect transition="in" filter="fade">
+                                      <p:cBhvr>
+                                        <p:cTn id="28" dur="500"/>
+                                        <p:tgtEl>
+                                          <p:spTgt spid="17"/>
+                                        </p:tgtEl>
+                                      </p:cBhvr>
+                                    </p:animEffect>
+                                  </p:childTnLst>
+                                </p:cTn>
+                              </p:par>
+                              <p:par>
+                                <p:cTn id="29" presetID="10" presetClass="entr" presetSubtype="0" fill="hold" nodeType="withEffect">
+                                  <p:stCondLst>
+                                    <p:cond delay="0"/>
+                                  </p:stCondLst>
+                                  <p:childTnLst>
+                                    <p:set>
+                                      <p:cBhvr>
+                                        <p:cTn id="30" dur="1" fill="hold">
+                                          <p:stCondLst>
+                                            <p:cond delay="0"/>
+                                          </p:stCondLst>
+                                        </p:cTn>
+                                        <p:tgtEl>
+                                          <p:spTgt spid="18"/>
+                                        </p:tgtEl>
+                                        <p:attrNameLst>
+                                          <p:attrName>style.visibility</p:attrName>
+                                        </p:attrNameLst>
+                                      </p:cBhvr>
+                                      <p:to>
+                                        <p:strVal val="visible"/>
+                                      </p:to>
+                                    </p:set>
+                                    <p:animEffect transition="in" filter="fade">
+                                      <p:cBhvr>
+                                        <p:cTn id="31" dur="500"/>
+                                        <p:tgtEl>
+                                          <p:spTgt spid="18"/>
+                                        </p:tgtEl>
+                                      </p:cBhvr>
+                                    </p:animEffect>
+                                  </p:childTnLst>
+                                </p:cTn>
+                              </p:par>
+                            </p:childTnLst>
+                          </p:cTn>
+                        </p:par>
+                      </p:childTnLst>
+                    </p:cTn>
+                  </p:par>
+                  <p:par>
+                    <p:cTn id="32" fill="hold">
+                      <p:stCondLst>
+                        <p:cond delay="indefinite"/>
+                      </p:stCondLst>
+                      <p:childTnLst>
+                        <p:par>
+                          <p:cTn id="33" fill="hold">
+                            <p:stCondLst>
+                              <p:cond delay="0"/>
+                            </p:stCondLst>
+                            <p:childTnLst>
+                              <p:par>
+                                <p:cTn id="34" presetID="10" presetClass="entr" presetSubtype="0" fill="hold" nodeType="clickEffect">
+                                  <p:stCondLst>
+                                    <p:cond delay="0"/>
+                                  </p:stCondLst>
+                                  <p:childTnLst>
+                                    <p:set>
+                                      <p:cBhvr>
+                                        <p:cTn id="35" dur="1" fill="hold">
+                                          <p:stCondLst>
+                                            <p:cond delay="0"/>
+                                          </p:stCondLst>
+                                        </p:cTn>
+                                        <p:tgtEl>
+                                          <p:spTgt spid="20"/>
+                                        </p:tgtEl>
+                                        <p:attrNameLst>
+                                          <p:attrName>style.visibility</p:attrName>
+                                        </p:attrNameLst>
+                                      </p:cBhvr>
+                                      <p:to>
+                                        <p:strVal val="visible"/>
+                                      </p:to>
+                                    </p:set>
+                                    <p:animEffect transition="in" filter="fade">
+                                      <p:cBhvr>
+                                        <p:cTn id="36" dur="500"/>
+                                        <p:tgtEl>
+                                          <p:spTgt spid="20"/>
+                                        </p:tgtEl>
+                                      </p:cBhvr>
+                                    </p:animEffect>
+                                  </p:childTnLst>
+                                </p:cTn>
+                              </p:par>
+                              <p:par>
+                                <p:cTn id="37" presetID="10" presetClass="entr" presetSubtype="0" fill="hold" grpId="0" nodeType="withEffect">
+                                  <p:stCondLst>
+                                    <p:cond delay="0"/>
+                                  </p:stCondLst>
+                                  <p:childTnLst>
+                                    <p:set>
+                                      <p:cBhvr>
+                                        <p:cTn id="38" dur="1" fill="hold">
+                                          <p:stCondLst>
+                                            <p:cond delay="0"/>
+                                          </p:stCondLst>
+                                        </p:cTn>
+                                        <p:tgtEl>
+                                          <p:spTgt spid="19"/>
+                                        </p:tgtEl>
+                                        <p:attrNameLst>
+                                          <p:attrName>style.visibility</p:attrName>
+                                        </p:attrNameLst>
+                                      </p:cBhvr>
+                                      <p:to>
+                                        <p:strVal val="visible"/>
+                                      </p:to>
+                                    </p:set>
+                                    <p:animEffect transition="in" filter="fade">
+                                      <p:cBhvr>
+                                        <p:cTn id="39" dur="500"/>
+                                        <p:tgtEl>
+                                          <p:spTgt spid="19"/>
+                                        </p:tgtEl>
+                                      </p:cBhvr>
+                                    </p:animEffect>
+                                  </p:childTnLst>
+                                </p:cTn>
+                              </p:par>
+                            </p:childTnLst>
+                          </p:cTn>
+                        </p:par>
+                      </p:childTnLst>
+                    </p:cTn>
+                  </p:par>
+                </p:childTnLst>
+              </p:cTn>
+              <p:prevCondLst>
+                <p:cond evt="onPrev" delay="0">
+                  <p:tgtEl>
+                    <p:sldTgt/>
+                  </p:tgtEl>
+                </p:cond>
+              </p:prevCondLst>
+              <p:nextCondLst>
+                <p:cond evt="onNext" delay="0">
+                  <p:tgtEl>
+                    <p:sldTgt/>
+                  </p:tgtEl>
+                </p:cond>
+              </p:nextCondLst>
+            </p:seq>
+          </p:childTnLst>
+        </p:cTn>
+      </p:par>
+    </p:tnLst>
+    <p:bldLst>
+      <p:bldP spid="10" grpId="0" animBg="1"/>
+      <p:bldP spid="12" grpId="0" animBg="1"/>
+      <p:bldP spid="17" grpId="0" animBg="1"/>
+      <p:bldP spid="19" grpId="0" animBg="1"/>
+    </p:bldLst>
+  </p:timing>
 </p:sld>
 </file>
 
-<file path=ppt/slides/slide10.xml><?xml version="1.0" encoding="utf-8"?>
+<file path=ppt/slides/slide11.xml><?xml version="1.0" encoding="utf-8"?>
 <p:sld xmlns:a="http://schemas.openxmlformats.org/drawingml/2006/main" xmlns:r="http://schemas.openxmlformats.org/officeDocument/2006/relationships" xmlns:p="http://schemas.openxmlformats.org/presentationml/2006/main">
   <p:cSld>
     <p:spTree>
@@ -6260,7 +7268,7 @@
 </p:sld>
 </file>
 
-<file path=ppt/slides/slide11.xml><?xml version="1.0" encoding="utf-8"?>
+<file path=ppt/slides/slide12.xml><?xml version="1.0" encoding="utf-8"?>
 <p:sld xmlns:a="http://schemas.openxmlformats.org/drawingml/2006/main" xmlns:r="http://schemas.openxmlformats.org/officeDocument/2006/relationships" xmlns:p="http://schemas.openxmlformats.org/presentationml/2006/main">
   <p:cSld>
     <p:spTree>
@@ -7864,7 +8872,7 @@
 </p:sld>
 </file>
 
-<file path=ppt/slides/slide12.xml><?xml version="1.0" encoding="utf-8"?>
+<file path=ppt/slides/slide13.xml><?xml version="1.0" encoding="utf-8"?>
 <p:sld xmlns:a="http://schemas.openxmlformats.org/drawingml/2006/main" xmlns:r="http://schemas.openxmlformats.org/officeDocument/2006/relationships" xmlns:p="http://schemas.openxmlformats.org/presentationml/2006/main">
   <p:cSld>
     <p:spTree>
@@ -8629,7 +9637,7 @@
 </p:sld>
 </file>
 
-<file path=ppt/slides/slide13.xml><?xml version="1.0" encoding="utf-8"?>
+<file path=ppt/slides/slide14.xml><?xml version="1.0" encoding="utf-8"?>
 <p:sld xmlns:a="http://schemas.openxmlformats.org/drawingml/2006/main" xmlns:r="http://schemas.openxmlformats.org/officeDocument/2006/relationships" xmlns:p="http://schemas.openxmlformats.org/presentationml/2006/main">
   <p:cSld>
     <p:spTree>
@@ -9394,7 +10402,7 @@
 </p:sld>
 </file>
 
-<file path=ppt/slides/slide14.xml><?xml version="1.0" encoding="utf-8"?>
+<file path=ppt/slides/slide15.xml><?xml version="1.0" encoding="utf-8"?>
 <p:sld xmlns:a="http://schemas.openxmlformats.org/drawingml/2006/main" xmlns:r="http://schemas.openxmlformats.org/officeDocument/2006/relationships" xmlns:p="http://schemas.openxmlformats.org/presentationml/2006/main">
   <p:cSld>
     <p:spTree>
@@ -9785,7 +10793,7 @@
 </p:sld>
 </file>
 
-<file path=ppt/slides/slide15.xml><?xml version="1.0" encoding="utf-8"?>
+<file path=ppt/slides/slide16.xml><?xml version="1.0" encoding="utf-8"?>
 <p:sld xmlns:a="http://schemas.openxmlformats.org/drawingml/2006/main" xmlns:r="http://schemas.openxmlformats.org/officeDocument/2006/relationships" xmlns:p="http://schemas.openxmlformats.org/presentationml/2006/main">
   <p:cSld>
     <p:spTree>
@@ -10550,7 +11558,7 @@
 </p:sld>
 </file>
 
-<file path=ppt/slides/slide16.xml><?xml version="1.0" encoding="utf-8"?>
+<file path=ppt/slides/slide17.xml><?xml version="1.0" encoding="utf-8"?>
 <p:sld xmlns:a="http://schemas.openxmlformats.org/drawingml/2006/main" xmlns:r="http://schemas.openxmlformats.org/officeDocument/2006/relationships" xmlns:p="http://schemas.openxmlformats.org/presentationml/2006/main">
   <p:cSld>
     <p:spTree>
@@ -12171,7 +13179,2063 @@
 </p:sld>
 </file>
 
-<file path=ppt/slides/slide17.xml><?xml version="1.0" encoding="utf-8"?>
+<file path=ppt/slides/slide18.xml><?xml version="1.0" encoding="utf-8"?>
+<p:sld xmlns:a="http://schemas.openxmlformats.org/drawingml/2006/main" xmlns:r="http://schemas.openxmlformats.org/officeDocument/2006/relationships" xmlns:p="http://schemas.openxmlformats.org/presentationml/2006/main">
+  <p:cSld>
+    <p:spTree>
+      <p:nvGrpSpPr>
+        <p:cNvPr id="1" name="">
+          <a:extLst>
+            <a:ext uri="{FF2B5EF4-FFF2-40B4-BE49-F238E27FC236}">
+              <a16:creationId xmlns:a16="http://schemas.microsoft.com/office/drawing/2014/main" id="{95488483-12E4-991B-5C90-FC6E59E1FCA9}"/>
+            </a:ext>
+          </a:extLst>
+        </p:cNvPr>
+        <p:cNvGrpSpPr/>
+        <p:nvPr/>
+      </p:nvGrpSpPr>
+      <p:grpSpPr>
+        <a:xfrm>
+          <a:off x="0" y="0"/>
+          <a:ext cx="0" cy="0"/>
+          <a:chOff x="0" y="0"/>
+          <a:chExt cx="0" cy="0"/>
+        </a:xfrm>
+      </p:grpSpPr>
+      <p:sp>
+        <p:nvSpPr>
+          <p:cNvPr id="4" name="Rectangle: Rounded Corners 3">
+            <a:extLst>
+              <a:ext uri="{FF2B5EF4-FFF2-40B4-BE49-F238E27FC236}">
+                <a16:creationId xmlns:a16="http://schemas.microsoft.com/office/drawing/2014/main" id="{DC60743C-132D-D179-861A-7719774897AD}"/>
+              </a:ext>
+            </a:extLst>
+          </p:cNvPr>
+          <p:cNvSpPr/>
+          <p:nvPr/>
+        </p:nvSpPr>
+        <p:spPr>
+          <a:xfrm>
+            <a:off x="1821425" y="913708"/>
+            <a:ext cx="8368496" cy="1862842"/>
+          </a:xfrm>
+          <a:prstGeom prst="roundRect">
+            <a:avLst/>
+          </a:prstGeom>
+          <a:solidFill>
+            <a:srgbClr val="48CAE4"/>
+          </a:solidFill>
+          <a:ln w="38100"/>
+        </p:spPr>
+        <p:style>
+          <a:lnRef idx="2">
+            <a:schemeClr val="accent1">
+              <a:shade val="15000"/>
+            </a:schemeClr>
+          </a:lnRef>
+          <a:fillRef idx="1">
+            <a:schemeClr val="accent1"/>
+          </a:fillRef>
+          <a:effectRef idx="0">
+            <a:schemeClr val="accent1"/>
+          </a:effectRef>
+          <a:fontRef idx="minor">
+            <a:schemeClr val="lt1"/>
+          </a:fontRef>
+        </p:style>
+        <p:txBody>
+          <a:bodyPr rtlCol="0" anchor="ctr"/>
+          <a:lstStyle/>
+          <a:p>
+            <a:pPr algn="ctr"/>
+            <a:r>
+              <a:rPr lang="en-AU" sz="4800" dirty="0"/>
+              <a:t>Subscription Status Analysis</a:t>
+            </a:r>
+          </a:p>
+        </p:txBody>
+      </p:sp>
+      <p:sp>
+        <p:nvSpPr>
+          <p:cNvPr id="3" name="TextBox 2">
+            <a:extLst>
+              <a:ext uri="{FF2B5EF4-FFF2-40B4-BE49-F238E27FC236}">
+                <a16:creationId xmlns:a16="http://schemas.microsoft.com/office/drawing/2014/main" id="{AB658876-7C5E-E3F2-5D73-00066A819D7F}"/>
+              </a:ext>
+            </a:extLst>
+          </p:cNvPr>
+          <p:cNvSpPr txBox="1"/>
+          <p:nvPr/>
+        </p:nvSpPr>
+        <p:spPr>
+          <a:xfrm>
+            <a:off x="2352155" y="3250454"/>
+            <a:ext cx="7307036" cy="830997"/>
+          </a:xfrm>
+          <a:prstGeom prst="rect">
+            <a:avLst/>
+          </a:prstGeom>
+          <a:noFill/>
+          <a:ln>
+            <a:noFill/>
+          </a:ln>
+        </p:spPr>
+        <p:style>
+          <a:lnRef idx="0">
+            <a:scrgbClr r="0" g="0" b="0"/>
+          </a:lnRef>
+          <a:fillRef idx="0">
+            <a:scrgbClr r="0" g="0" b="0"/>
+          </a:fillRef>
+          <a:effectRef idx="0">
+            <a:scrgbClr r="0" g="0" b="0"/>
+          </a:effectRef>
+          <a:fontRef idx="minor">
+            <a:schemeClr val="dk1"/>
+          </a:fontRef>
+        </p:style>
+        <p:txBody>
+          <a:bodyPr rtlCol="0" anchor="ctr"/>
+          <a:lstStyle>
+            <a:defPPr>
+              <a:defRPr lang="en-US"/>
+            </a:defPPr>
+            <a:lvl1pPr algn="ctr">
+              <a:defRPr sz="4800">
+                <a:solidFill>
+                  <a:schemeClr val="lt1"/>
+                </a:solidFill>
+              </a:defRPr>
+            </a:lvl1pPr>
+            <a:lvl2pPr>
+              <a:defRPr>
+                <a:solidFill>
+                  <a:schemeClr val="lt1"/>
+                </a:solidFill>
+              </a:defRPr>
+            </a:lvl2pPr>
+            <a:lvl3pPr>
+              <a:defRPr>
+                <a:solidFill>
+                  <a:schemeClr val="lt1"/>
+                </a:solidFill>
+              </a:defRPr>
+            </a:lvl3pPr>
+            <a:lvl4pPr>
+              <a:defRPr>
+                <a:solidFill>
+                  <a:schemeClr val="lt1"/>
+                </a:solidFill>
+              </a:defRPr>
+            </a:lvl4pPr>
+            <a:lvl5pPr>
+              <a:defRPr>
+                <a:solidFill>
+                  <a:schemeClr val="lt1"/>
+                </a:solidFill>
+              </a:defRPr>
+            </a:lvl5pPr>
+            <a:lvl6pPr>
+              <a:defRPr>
+                <a:solidFill>
+                  <a:schemeClr val="lt1"/>
+                </a:solidFill>
+              </a:defRPr>
+            </a:lvl6pPr>
+            <a:lvl7pPr>
+              <a:defRPr>
+                <a:solidFill>
+                  <a:schemeClr val="lt1"/>
+                </a:solidFill>
+              </a:defRPr>
+            </a:lvl7pPr>
+            <a:lvl8pPr>
+              <a:defRPr>
+                <a:solidFill>
+                  <a:schemeClr val="lt1"/>
+                </a:solidFill>
+              </a:defRPr>
+            </a:lvl8pPr>
+            <a:lvl9pPr>
+              <a:defRPr>
+                <a:solidFill>
+                  <a:schemeClr val="lt1"/>
+                </a:solidFill>
+              </a:defRPr>
+            </a:lvl9pPr>
+          </a:lstStyle>
+          <a:p>
+            <a:r>
+              <a:rPr lang="en-AU" sz="3600" dirty="0"/>
+              <a:t>Free vs. Subscribed Users</a:t>
+            </a:r>
+          </a:p>
+        </p:txBody>
+      </p:sp>
+    </p:spTree>
+    <p:extLst>
+      <p:ext uri="{BB962C8B-B14F-4D97-AF65-F5344CB8AC3E}">
+        <p14:creationId xmlns:p14="http://schemas.microsoft.com/office/powerpoint/2010/main" val="1500903894"/>
+      </p:ext>
+    </p:extLst>
+  </p:cSld>
+  <p:clrMapOvr>
+    <a:masterClrMapping/>
+  </p:clrMapOvr>
+</p:sld>
+</file>
+
+<file path=ppt/slides/slide19.xml><?xml version="1.0" encoding="utf-8"?>
+<p:sld xmlns:a="http://schemas.openxmlformats.org/drawingml/2006/main" xmlns:r="http://schemas.openxmlformats.org/officeDocument/2006/relationships" xmlns:p="http://schemas.openxmlformats.org/presentationml/2006/main">
+  <p:cSld>
+    <p:spTree>
+      <p:nvGrpSpPr>
+        <p:cNvPr id="1" name=""/>
+        <p:cNvGrpSpPr/>
+        <p:nvPr/>
+      </p:nvGrpSpPr>
+      <p:grpSpPr>
+        <a:xfrm>
+          <a:off x="0" y="0"/>
+          <a:ext cx="0" cy="0"/>
+          <a:chOff x="0" y="0"/>
+          <a:chExt cx="0" cy="0"/>
+        </a:xfrm>
+      </p:grpSpPr>
+      <p:sp>
+        <p:nvSpPr>
+          <p:cNvPr id="10" name="TextBox 9">
+            <a:extLst>
+              <a:ext uri="{FF2B5EF4-FFF2-40B4-BE49-F238E27FC236}">
+                <a16:creationId xmlns:a16="http://schemas.microsoft.com/office/drawing/2014/main" id="{248C59C4-DE8A-EBE0-942B-A104BF1C25CB}"/>
+              </a:ext>
+            </a:extLst>
+          </p:cNvPr>
+          <p:cNvSpPr txBox="1"/>
+          <p:nvPr/>
+        </p:nvSpPr>
+        <p:spPr>
+          <a:xfrm>
+            <a:off x="589190" y="5201765"/>
+            <a:ext cx="10197193" cy="830997"/>
+          </a:xfrm>
+          <a:prstGeom prst="rect">
+            <a:avLst/>
+          </a:prstGeom>
+          <a:noFill/>
+        </p:spPr>
+        <p:txBody>
+          <a:bodyPr wrap="square" rtlCol="0">
+            <a:spAutoFit/>
+          </a:bodyPr>
+          <a:lstStyle/>
+          <a:p>
+            <a:r>
+              <a:rPr lang="en-US" sz="2400" dirty="0"/>
+              <a:t>A nearly even split:- opportunity to convert Free users with targeted upsell campaigns.</a:t>
+            </a:r>
+            <a:endParaRPr lang="en-AU" sz="2400" dirty="0"/>
+          </a:p>
+        </p:txBody>
+      </p:sp>
+      <p:pic>
+        <p:nvPicPr>
+          <p:cNvPr id="14" name="Picture 13">
+            <a:extLst>
+              <a:ext uri="{FF2B5EF4-FFF2-40B4-BE49-F238E27FC236}">
+                <a16:creationId xmlns:a16="http://schemas.microsoft.com/office/drawing/2014/main" id="{79EAC109-A859-FA8F-5C8E-FF1C0F682FB9}"/>
+              </a:ext>
+            </a:extLst>
+          </p:cNvPr>
+          <p:cNvPicPr>
+            <a:picLocks noChangeAspect="1"/>
+          </p:cNvPicPr>
+          <p:nvPr/>
+        </p:nvPicPr>
+        <p:blipFill>
+          <a:blip r:embed="rId2"/>
+          <a:stretch>
+            <a:fillRect/>
+          </a:stretch>
+        </p:blipFill>
+        <p:spPr>
+          <a:xfrm>
+            <a:off x="738639" y="482338"/>
+            <a:ext cx="5252585" cy="4492233"/>
+          </a:xfrm>
+          <a:prstGeom prst="rect">
+            <a:avLst/>
+          </a:prstGeom>
+        </p:spPr>
+      </p:pic>
+    </p:spTree>
+    <p:extLst>
+      <p:ext uri="{BB962C8B-B14F-4D97-AF65-F5344CB8AC3E}">
+        <p14:creationId xmlns:p14="http://schemas.microsoft.com/office/powerpoint/2010/main" val="2587067466"/>
+      </p:ext>
+    </p:extLst>
+  </p:cSld>
+  <p:clrMapOvr>
+    <a:masterClrMapping/>
+  </p:clrMapOvr>
+</p:sld>
+</file>
+
+<file path=ppt/slides/slide2.xml><?xml version="1.0" encoding="utf-8"?>
+<p:sld xmlns:a="http://schemas.openxmlformats.org/drawingml/2006/main" xmlns:r="http://schemas.openxmlformats.org/officeDocument/2006/relationships" xmlns:p="http://schemas.openxmlformats.org/presentationml/2006/main">
+  <p:cSld>
+    <p:spTree>
+      <p:nvGrpSpPr>
+        <p:cNvPr id="1" name=""/>
+        <p:cNvGrpSpPr/>
+        <p:nvPr/>
+      </p:nvGrpSpPr>
+      <p:grpSpPr>
+        <a:xfrm>
+          <a:off x="0" y="0"/>
+          <a:ext cx="0" cy="0"/>
+          <a:chOff x="0" y="0"/>
+          <a:chExt cx="0" cy="0"/>
+        </a:xfrm>
+      </p:grpSpPr>
+      <p:sp>
+        <p:nvSpPr>
+          <p:cNvPr id="4" name="Content Placeholder 3">
+            <a:extLst>
+              <a:ext uri="{FF2B5EF4-FFF2-40B4-BE49-F238E27FC236}">
+                <a16:creationId xmlns:a16="http://schemas.microsoft.com/office/drawing/2014/main" id="{2BEC370D-644D-5043-2625-29C0468D0DF4}"/>
+              </a:ext>
+            </a:extLst>
+          </p:cNvPr>
+          <p:cNvSpPr>
+            <a:spLocks noGrp="1"/>
+          </p:cNvSpPr>
+          <p:nvPr>
+            <p:ph idx="1"/>
+          </p:nvPr>
+        </p:nvSpPr>
+        <p:spPr>
+          <a:xfrm>
+            <a:off x="1828800" y="1245093"/>
+            <a:ext cx="8534400" cy="3614738"/>
+          </a:xfrm>
+          <a:prstGeom prst="roundRect">
+            <a:avLst/>
+          </a:prstGeom>
+          <a:solidFill>
+            <a:srgbClr val="48CAE4"/>
+          </a:solidFill>
+          <a:ln w="38100"/>
+        </p:spPr>
+        <p:style>
+          <a:lnRef idx="2">
+            <a:schemeClr val="accent1">
+              <a:shade val="15000"/>
+            </a:schemeClr>
+          </a:lnRef>
+          <a:fillRef idx="1">
+            <a:schemeClr val="accent1"/>
+          </a:fillRef>
+          <a:effectRef idx="0">
+            <a:schemeClr val="accent1"/>
+          </a:effectRef>
+          <a:fontRef idx="minor">
+            <a:schemeClr val="lt1"/>
+          </a:fontRef>
+        </p:style>
+        <p:txBody>
+          <a:bodyPr rtlCol="0" anchor="ctr"/>
+          <a:lstStyle/>
+          <a:p>
+            <a:pPr algn="ctr"/>
+            <a:r>
+              <a:rPr lang="en-AU" sz="6000" dirty="0"/>
+              <a:t>Top 10 Movies</a:t>
+            </a:r>
+            <a:endParaRPr lang="en-AU" sz="5000" dirty="0"/>
+          </a:p>
+        </p:txBody>
+      </p:sp>
+    </p:spTree>
+    <p:extLst>
+      <p:ext uri="{BB962C8B-B14F-4D97-AF65-F5344CB8AC3E}">
+        <p14:creationId xmlns:p14="http://schemas.microsoft.com/office/powerpoint/2010/main" val="3436168471"/>
+      </p:ext>
+    </p:extLst>
+  </p:cSld>
+  <p:clrMapOvr>
+    <a:masterClrMapping/>
+  </p:clrMapOvr>
+</p:sld>
+</file>
+
+<file path=ppt/slides/slide20.xml><?xml version="1.0" encoding="utf-8"?>
+<p:sld xmlns:a="http://schemas.openxmlformats.org/drawingml/2006/main" xmlns:r="http://schemas.openxmlformats.org/officeDocument/2006/relationships" xmlns:p="http://schemas.openxmlformats.org/presentationml/2006/main">
+  <p:cSld>
+    <p:spTree>
+      <p:nvGrpSpPr>
+        <p:cNvPr id="1" name="">
+          <a:extLst>
+            <a:ext uri="{FF2B5EF4-FFF2-40B4-BE49-F238E27FC236}">
+              <a16:creationId xmlns:a16="http://schemas.microsoft.com/office/drawing/2014/main" id="{30A149B7-0CE8-D8CA-8486-0D33BA64096C}"/>
+            </a:ext>
+          </a:extLst>
+        </p:cNvPr>
+        <p:cNvGrpSpPr/>
+        <p:nvPr/>
+      </p:nvGrpSpPr>
+      <p:grpSpPr>
+        <a:xfrm>
+          <a:off x="0" y="0"/>
+          <a:ext cx="0" cy="0"/>
+          <a:chOff x="0" y="0"/>
+          <a:chExt cx="0" cy="0"/>
+        </a:xfrm>
+      </p:grpSpPr>
+      <p:sp>
+        <p:nvSpPr>
+          <p:cNvPr id="10" name="TextBox 9">
+            <a:extLst>
+              <a:ext uri="{FF2B5EF4-FFF2-40B4-BE49-F238E27FC236}">
+                <a16:creationId xmlns:a16="http://schemas.microsoft.com/office/drawing/2014/main" id="{F213382E-1348-0005-811C-A08638B2BA2A}"/>
+              </a:ext>
+            </a:extLst>
+          </p:cNvPr>
+          <p:cNvSpPr txBox="1"/>
+          <p:nvPr/>
+        </p:nvSpPr>
+        <p:spPr>
+          <a:xfrm>
+            <a:off x="589190" y="5201765"/>
+            <a:ext cx="10197193" cy="830997"/>
+          </a:xfrm>
+          <a:prstGeom prst="rect">
+            <a:avLst/>
+          </a:prstGeom>
+          <a:noFill/>
+        </p:spPr>
+        <p:txBody>
+          <a:bodyPr wrap="square" rtlCol="0">
+            <a:spAutoFit/>
+          </a:bodyPr>
+          <a:lstStyle/>
+          <a:p>
+            <a:r>
+              <a:rPr lang="en-US" sz="2400" dirty="0"/>
+              <a:t>Watch time is almost identical across both groups. Content is engaging even in the free tier.</a:t>
+            </a:r>
+            <a:endParaRPr lang="en-AU" sz="2400" dirty="0"/>
+          </a:p>
+        </p:txBody>
+      </p:sp>
+      <p:pic>
+        <p:nvPicPr>
+          <p:cNvPr id="3" name="Picture 2">
+            <a:extLst>
+              <a:ext uri="{FF2B5EF4-FFF2-40B4-BE49-F238E27FC236}">
+                <a16:creationId xmlns:a16="http://schemas.microsoft.com/office/drawing/2014/main" id="{39A35FFC-46FF-BC6C-96D8-0607F3B66E7B}"/>
+              </a:ext>
+            </a:extLst>
+          </p:cNvPr>
+          <p:cNvPicPr>
+            <a:picLocks noChangeAspect="1"/>
+          </p:cNvPicPr>
+          <p:nvPr/>
+        </p:nvPicPr>
+        <p:blipFill>
+          <a:blip r:embed="rId2"/>
+          <a:stretch>
+            <a:fillRect/>
+          </a:stretch>
+        </p:blipFill>
+        <p:spPr>
+          <a:xfrm>
+            <a:off x="655866" y="825239"/>
+            <a:ext cx="5440133" cy="3705940"/>
+          </a:xfrm>
+          <a:prstGeom prst="rect">
+            <a:avLst/>
+          </a:prstGeom>
+        </p:spPr>
+      </p:pic>
+    </p:spTree>
+    <p:extLst>
+      <p:ext uri="{BB962C8B-B14F-4D97-AF65-F5344CB8AC3E}">
+        <p14:creationId xmlns:p14="http://schemas.microsoft.com/office/powerpoint/2010/main" val="1325834270"/>
+      </p:ext>
+    </p:extLst>
+  </p:cSld>
+  <p:clrMapOvr>
+    <a:masterClrMapping/>
+  </p:clrMapOvr>
+</p:sld>
+</file>
+
+<file path=ppt/slides/slide21.xml><?xml version="1.0" encoding="utf-8"?>
+<p:sld xmlns:a="http://schemas.openxmlformats.org/drawingml/2006/main" xmlns:r="http://schemas.openxmlformats.org/officeDocument/2006/relationships" xmlns:p="http://schemas.openxmlformats.org/presentationml/2006/main">
+  <p:cSld>
+    <p:spTree>
+      <p:nvGrpSpPr>
+        <p:cNvPr id="1" name="">
+          <a:extLst>
+            <a:ext uri="{FF2B5EF4-FFF2-40B4-BE49-F238E27FC236}">
+              <a16:creationId xmlns:a16="http://schemas.microsoft.com/office/drawing/2014/main" id="{00915CC3-F2FF-A7BD-FBA5-FE64B23A428A}"/>
+            </a:ext>
+          </a:extLst>
+        </p:cNvPr>
+        <p:cNvGrpSpPr/>
+        <p:nvPr/>
+      </p:nvGrpSpPr>
+      <p:grpSpPr>
+        <a:xfrm>
+          <a:off x="0" y="0"/>
+          <a:ext cx="0" cy="0"/>
+          <a:chOff x="0" y="0"/>
+          <a:chExt cx="0" cy="0"/>
+        </a:xfrm>
+      </p:grpSpPr>
+      <p:pic>
+        <p:nvPicPr>
+          <p:cNvPr id="4" name="Picture 3">
+            <a:extLst>
+              <a:ext uri="{FF2B5EF4-FFF2-40B4-BE49-F238E27FC236}">
+                <a16:creationId xmlns:a16="http://schemas.microsoft.com/office/drawing/2014/main" id="{41D4105F-FF5D-C824-2765-701CA8E4228D}"/>
+              </a:ext>
+            </a:extLst>
+          </p:cNvPr>
+          <p:cNvPicPr>
+            <a:picLocks noChangeAspect="1"/>
+          </p:cNvPicPr>
+          <p:nvPr/>
+        </p:nvPicPr>
+        <p:blipFill>
+          <a:blip r:embed="rId2"/>
+          <a:stretch>
+            <a:fillRect/>
+          </a:stretch>
+        </p:blipFill>
+        <p:spPr>
+          <a:xfrm>
+            <a:off x="787541" y="776331"/>
+            <a:ext cx="4887466" cy="3637403"/>
+          </a:xfrm>
+          <a:prstGeom prst="rect">
+            <a:avLst/>
+          </a:prstGeom>
+          <a:effectLst>
+            <a:innerShdw blurRad="57150" dist="38100" dir="14460000">
+              <a:prstClr val="black">
+                <a:alpha val="70000"/>
+              </a:prstClr>
+            </a:innerShdw>
+          </a:effectLst>
+        </p:spPr>
+      </p:pic>
+      <p:sp>
+        <p:nvSpPr>
+          <p:cNvPr id="10" name="TextBox 9">
+            <a:extLst>
+              <a:ext uri="{FF2B5EF4-FFF2-40B4-BE49-F238E27FC236}">
+                <a16:creationId xmlns:a16="http://schemas.microsoft.com/office/drawing/2014/main" id="{B1B8E831-4713-6C96-AE09-167D5A9B9F32}"/>
+              </a:ext>
+            </a:extLst>
+          </p:cNvPr>
+          <p:cNvSpPr txBox="1"/>
+          <p:nvPr/>
+        </p:nvSpPr>
+        <p:spPr>
+          <a:xfrm>
+            <a:off x="6095998" y="685800"/>
+            <a:ext cx="4819653" cy="3615267"/>
+          </a:xfrm>
+          <a:prstGeom prst="rect">
+            <a:avLst/>
+          </a:prstGeom>
+        </p:spPr>
+        <p:txBody>
+          <a:bodyPr vert="horz" lIns="91440" tIns="45720" rIns="91440" bIns="45720" rtlCol="0" anchor="ctr">
+            <a:normAutofit/>
+          </a:bodyPr>
+          <a:lstStyle/>
+          <a:p>
+            <a:pPr>
+              <a:spcBef>
+                <a:spcPct val="20000"/>
+              </a:spcBef>
+              <a:spcAft>
+                <a:spcPts val="600"/>
+              </a:spcAft>
+              <a:buClr>
+                <a:schemeClr val="tx1"/>
+              </a:buClr>
+              <a:buSzPct val="80000"/>
+              <a:buFont typeface="Wingdings 3" panose="05040102010807070707" pitchFamily="18" charset="2"/>
+              <a:buChar char=""/>
+            </a:pPr>
+            <a:endParaRPr lang="en-US" dirty="0">
+              <a:solidFill>
+                <a:srgbClr val="0F496F"/>
+              </a:solidFill>
+            </a:endParaRPr>
+          </a:p>
+        </p:txBody>
+      </p:sp>
+      <p:sp>
+        <p:nvSpPr>
+          <p:cNvPr id="7" name="TextBox 6">
+            <a:extLst>
+              <a:ext uri="{FF2B5EF4-FFF2-40B4-BE49-F238E27FC236}">
+                <a16:creationId xmlns:a16="http://schemas.microsoft.com/office/drawing/2014/main" id="{9944DD91-DD59-73ED-70EB-53C6CA75D00A}"/>
+              </a:ext>
+            </a:extLst>
+          </p:cNvPr>
+          <p:cNvSpPr txBox="1"/>
+          <p:nvPr/>
+        </p:nvSpPr>
+        <p:spPr>
+          <a:xfrm>
+            <a:off x="589190" y="5201765"/>
+            <a:ext cx="10197193" cy="830997"/>
+          </a:xfrm>
+          <a:prstGeom prst="rect">
+            <a:avLst/>
+          </a:prstGeom>
+          <a:noFill/>
+        </p:spPr>
+        <p:txBody>
+          <a:bodyPr wrap="square" rtlCol="0">
+            <a:spAutoFit/>
+          </a:bodyPr>
+          <a:lstStyle/>
+          <a:p>
+            <a:r>
+              <a:rPr lang="en-US" sz="2400" dirty="0">
+                <a:solidFill>
+                  <a:schemeClr val="bg1"/>
+                </a:solidFill>
+              </a:rPr>
+              <a:t>Users rate similarly regardless of subscription. Focus on maintaining quality over pricing.</a:t>
+            </a:r>
+            <a:endParaRPr lang="en-AU" sz="2400" dirty="0">
+              <a:solidFill>
+                <a:schemeClr val="bg1"/>
+              </a:solidFill>
+            </a:endParaRPr>
+          </a:p>
+        </p:txBody>
+      </p:sp>
+    </p:spTree>
+    <p:extLst>
+      <p:ext uri="{BB962C8B-B14F-4D97-AF65-F5344CB8AC3E}">
+        <p14:creationId xmlns:p14="http://schemas.microsoft.com/office/powerpoint/2010/main" val="728479214"/>
+      </p:ext>
+    </p:extLst>
+  </p:cSld>
+  <p:clrMapOvr>
+    <a:masterClrMapping/>
+  </p:clrMapOvr>
+</p:sld>
+</file>
+
+<file path=ppt/slides/slide22.xml><?xml version="1.0" encoding="utf-8"?>
+<p:sld xmlns:a="http://schemas.openxmlformats.org/drawingml/2006/main" xmlns:r="http://schemas.openxmlformats.org/officeDocument/2006/relationships" xmlns:p="http://schemas.openxmlformats.org/presentationml/2006/main">
+  <p:cSld>
+    <p:spTree>
+      <p:nvGrpSpPr>
+        <p:cNvPr id="1" name="">
+          <a:extLst>
+            <a:ext uri="{FF2B5EF4-FFF2-40B4-BE49-F238E27FC236}">
+              <a16:creationId xmlns:a16="http://schemas.microsoft.com/office/drawing/2014/main" id="{82334322-8070-236D-C6BA-EEF1EDB86CC7}"/>
+            </a:ext>
+          </a:extLst>
+        </p:cNvPr>
+        <p:cNvGrpSpPr/>
+        <p:nvPr/>
+      </p:nvGrpSpPr>
+      <p:grpSpPr>
+        <a:xfrm>
+          <a:off x="0" y="0"/>
+          <a:ext cx="0" cy="0"/>
+          <a:chOff x="0" y="0"/>
+          <a:chExt cx="0" cy="0"/>
+        </a:xfrm>
+      </p:grpSpPr>
+      <p:sp>
+        <p:nvSpPr>
+          <p:cNvPr id="10" name="TextBox 9">
+            <a:extLst>
+              <a:ext uri="{FF2B5EF4-FFF2-40B4-BE49-F238E27FC236}">
+                <a16:creationId xmlns:a16="http://schemas.microsoft.com/office/drawing/2014/main" id="{6F560111-217A-55B5-B659-23731C62149B}"/>
+              </a:ext>
+            </a:extLst>
+          </p:cNvPr>
+          <p:cNvSpPr txBox="1"/>
+          <p:nvPr/>
+        </p:nvSpPr>
+        <p:spPr>
+          <a:xfrm>
+            <a:off x="6095998" y="685800"/>
+            <a:ext cx="4819653" cy="3615267"/>
+          </a:xfrm>
+          <a:prstGeom prst="rect">
+            <a:avLst/>
+          </a:prstGeom>
+        </p:spPr>
+        <p:txBody>
+          <a:bodyPr vert="horz" lIns="91440" tIns="45720" rIns="91440" bIns="45720" rtlCol="0" anchor="ctr">
+            <a:normAutofit/>
+          </a:bodyPr>
+          <a:lstStyle/>
+          <a:p>
+            <a:pPr>
+              <a:spcBef>
+                <a:spcPct val="20000"/>
+              </a:spcBef>
+              <a:spcAft>
+                <a:spcPts val="600"/>
+              </a:spcAft>
+              <a:buClr>
+                <a:schemeClr val="tx1"/>
+              </a:buClr>
+              <a:buSzPct val="80000"/>
+              <a:buFont typeface="Wingdings 3" panose="05040102010807070707" pitchFamily="18" charset="2"/>
+              <a:buChar char=""/>
+            </a:pPr>
+            <a:endParaRPr lang="en-US" dirty="0">
+              <a:solidFill>
+                <a:srgbClr val="0F496F"/>
+              </a:solidFill>
+            </a:endParaRPr>
+          </a:p>
+        </p:txBody>
+      </p:sp>
+      <p:sp>
+        <p:nvSpPr>
+          <p:cNvPr id="7" name="TextBox 6">
+            <a:extLst>
+              <a:ext uri="{FF2B5EF4-FFF2-40B4-BE49-F238E27FC236}">
+                <a16:creationId xmlns:a16="http://schemas.microsoft.com/office/drawing/2014/main" id="{700A4FCE-FE4A-9467-8AF6-299E8BB24C19}"/>
+              </a:ext>
+            </a:extLst>
+          </p:cNvPr>
+          <p:cNvSpPr txBox="1"/>
+          <p:nvPr/>
+        </p:nvSpPr>
+        <p:spPr>
+          <a:xfrm>
+            <a:off x="589190" y="5201765"/>
+            <a:ext cx="10197193" cy="830997"/>
+          </a:xfrm>
+          <a:prstGeom prst="rect">
+            <a:avLst/>
+          </a:prstGeom>
+          <a:noFill/>
+        </p:spPr>
+        <p:txBody>
+          <a:bodyPr wrap="square" rtlCol="0">
+            <a:spAutoFit/>
+          </a:bodyPr>
+          <a:lstStyle/>
+          <a:p>
+            <a:r>
+              <a:rPr lang="en-US" sz="2400" dirty="0"/>
+              <a:t>Mobile is the top device among Free users, a smart place to prompt subscription upgrades.</a:t>
+            </a:r>
+            <a:endParaRPr lang="en-AU" sz="2400" dirty="0">
+              <a:solidFill>
+                <a:schemeClr val="bg1"/>
+              </a:solidFill>
+            </a:endParaRPr>
+          </a:p>
+        </p:txBody>
+      </p:sp>
+      <p:pic>
+        <p:nvPicPr>
+          <p:cNvPr id="3" name="Picture 2">
+            <a:extLst>
+              <a:ext uri="{FF2B5EF4-FFF2-40B4-BE49-F238E27FC236}">
+                <a16:creationId xmlns:a16="http://schemas.microsoft.com/office/drawing/2014/main" id="{8135519A-9A0D-8769-1E62-2F899F83357C}"/>
+              </a:ext>
+            </a:extLst>
+          </p:cNvPr>
+          <p:cNvPicPr>
+            <a:picLocks noChangeAspect="1"/>
+          </p:cNvPicPr>
+          <p:nvPr/>
+        </p:nvPicPr>
+        <p:blipFill>
+          <a:blip r:embed="rId2"/>
+          <a:stretch>
+            <a:fillRect/>
+          </a:stretch>
+        </p:blipFill>
+        <p:spPr>
+          <a:xfrm>
+            <a:off x="589190" y="685800"/>
+            <a:ext cx="5847201" cy="3615267"/>
+          </a:xfrm>
+          <a:prstGeom prst="rect">
+            <a:avLst/>
+          </a:prstGeom>
+        </p:spPr>
+      </p:pic>
+    </p:spTree>
+    <p:extLst>
+      <p:ext uri="{BB962C8B-B14F-4D97-AF65-F5344CB8AC3E}">
+        <p14:creationId xmlns:p14="http://schemas.microsoft.com/office/powerpoint/2010/main" val="2969886435"/>
+      </p:ext>
+    </p:extLst>
+  </p:cSld>
+  <p:clrMapOvr>
+    <a:masterClrMapping/>
+  </p:clrMapOvr>
+</p:sld>
+</file>
+
+<file path=ppt/slides/slide23.xml><?xml version="1.0" encoding="utf-8"?>
+<p:sld xmlns:a="http://schemas.openxmlformats.org/drawingml/2006/main" xmlns:r="http://schemas.openxmlformats.org/officeDocument/2006/relationships" xmlns:p="http://schemas.openxmlformats.org/presentationml/2006/main">
+  <p:cSld>
+    <p:spTree>
+      <p:nvGrpSpPr>
+        <p:cNvPr id="1" name="">
+          <a:extLst>
+            <a:ext uri="{FF2B5EF4-FFF2-40B4-BE49-F238E27FC236}">
+              <a16:creationId xmlns:a16="http://schemas.microsoft.com/office/drawing/2014/main" id="{ECEBA9B0-030D-FDE8-1D25-1712A3BD24F3}"/>
+            </a:ext>
+          </a:extLst>
+        </p:cNvPr>
+        <p:cNvGrpSpPr/>
+        <p:nvPr/>
+      </p:nvGrpSpPr>
+      <p:grpSpPr>
+        <a:xfrm>
+          <a:off x="0" y="0"/>
+          <a:ext cx="0" cy="0"/>
+          <a:chOff x="0" y="0"/>
+          <a:chExt cx="0" cy="0"/>
+        </a:xfrm>
+      </p:grpSpPr>
+      <p:sp>
+        <p:nvSpPr>
+          <p:cNvPr id="10" name="TextBox 9">
+            <a:extLst>
+              <a:ext uri="{FF2B5EF4-FFF2-40B4-BE49-F238E27FC236}">
+                <a16:creationId xmlns:a16="http://schemas.microsoft.com/office/drawing/2014/main" id="{40C711DB-3C3A-D092-F30A-88FD884980E3}"/>
+              </a:ext>
+            </a:extLst>
+          </p:cNvPr>
+          <p:cNvSpPr txBox="1"/>
+          <p:nvPr/>
+        </p:nvSpPr>
+        <p:spPr>
+          <a:xfrm>
+            <a:off x="6095998" y="685800"/>
+            <a:ext cx="4819653" cy="3615267"/>
+          </a:xfrm>
+          <a:prstGeom prst="rect">
+            <a:avLst/>
+          </a:prstGeom>
+        </p:spPr>
+        <p:txBody>
+          <a:bodyPr vert="horz" lIns="91440" tIns="45720" rIns="91440" bIns="45720" rtlCol="0" anchor="ctr">
+            <a:normAutofit/>
+          </a:bodyPr>
+          <a:lstStyle/>
+          <a:p>
+            <a:pPr>
+              <a:spcBef>
+                <a:spcPct val="20000"/>
+              </a:spcBef>
+              <a:spcAft>
+                <a:spcPts val="600"/>
+              </a:spcAft>
+              <a:buClr>
+                <a:schemeClr val="tx1"/>
+              </a:buClr>
+              <a:buSzPct val="80000"/>
+              <a:buFont typeface="Wingdings 3" panose="05040102010807070707" pitchFamily="18" charset="2"/>
+              <a:buChar char=""/>
+            </a:pPr>
+            <a:endParaRPr lang="en-US" dirty="0">
+              <a:solidFill>
+                <a:srgbClr val="0F496F"/>
+              </a:solidFill>
+            </a:endParaRPr>
+          </a:p>
+        </p:txBody>
+      </p:sp>
+      <p:sp>
+        <p:nvSpPr>
+          <p:cNvPr id="7" name="TextBox 6">
+            <a:extLst>
+              <a:ext uri="{FF2B5EF4-FFF2-40B4-BE49-F238E27FC236}">
+                <a16:creationId xmlns:a16="http://schemas.microsoft.com/office/drawing/2014/main" id="{43D5491D-76A8-C8EB-A034-60FEACF87284}"/>
+              </a:ext>
+            </a:extLst>
+          </p:cNvPr>
+          <p:cNvSpPr txBox="1"/>
+          <p:nvPr/>
+        </p:nvSpPr>
+        <p:spPr>
+          <a:xfrm>
+            <a:off x="589190" y="5201765"/>
+            <a:ext cx="10197193" cy="830997"/>
+          </a:xfrm>
+          <a:prstGeom prst="rect">
+            <a:avLst/>
+          </a:prstGeom>
+          <a:noFill/>
+        </p:spPr>
+        <p:txBody>
+          <a:bodyPr wrap="square" rtlCol="0">
+            <a:spAutoFit/>
+          </a:bodyPr>
+          <a:lstStyle/>
+          <a:p>
+            <a:r>
+              <a:rPr lang="en-US" sz="2400" dirty="0"/>
+              <a:t>Drama and Comedy lead across both groups. </a:t>
+            </a:r>
+            <a:r>
+              <a:rPr lang="en-US" sz="2400" dirty="0" err="1"/>
+              <a:t>Prioritise</a:t>
+            </a:r>
+            <a:r>
+              <a:rPr lang="en-US" sz="2400" dirty="0"/>
+              <a:t> these in content and marketing placement.</a:t>
+            </a:r>
+            <a:endParaRPr lang="en-AU" sz="2400" dirty="0">
+              <a:solidFill>
+                <a:schemeClr val="bg1"/>
+              </a:solidFill>
+            </a:endParaRPr>
+          </a:p>
+        </p:txBody>
+      </p:sp>
+      <p:pic>
+        <p:nvPicPr>
+          <p:cNvPr id="6" name="Picture 5">
+            <a:extLst>
+              <a:ext uri="{FF2B5EF4-FFF2-40B4-BE49-F238E27FC236}">
+                <a16:creationId xmlns:a16="http://schemas.microsoft.com/office/drawing/2014/main" id="{C176062A-B189-62F3-01B5-7A8A607FD42C}"/>
+              </a:ext>
+            </a:extLst>
+          </p:cNvPr>
+          <p:cNvPicPr>
+            <a:picLocks noChangeAspect="1"/>
+          </p:cNvPicPr>
+          <p:nvPr/>
+        </p:nvPicPr>
+        <p:blipFill>
+          <a:blip r:embed="rId2"/>
+          <a:stretch>
+            <a:fillRect/>
+          </a:stretch>
+        </p:blipFill>
+        <p:spPr>
+          <a:xfrm>
+            <a:off x="761536" y="1265464"/>
+            <a:ext cx="5334462" cy="3222303"/>
+          </a:xfrm>
+          <a:prstGeom prst="rect">
+            <a:avLst/>
+          </a:prstGeom>
+        </p:spPr>
+      </p:pic>
+    </p:spTree>
+    <p:extLst>
+      <p:ext uri="{BB962C8B-B14F-4D97-AF65-F5344CB8AC3E}">
+        <p14:creationId xmlns:p14="http://schemas.microsoft.com/office/powerpoint/2010/main" val="1192794349"/>
+      </p:ext>
+    </p:extLst>
+  </p:cSld>
+  <p:clrMapOvr>
+    <a:masterClrMapping/>
+  </p:clrMapOvr>
+</p:sld>
+</file>
+
+<file path=ppt/slides/slide24.xml><?xml version="1.0" encoding="utf-8"?>
+<p:sld xmlns:a="http://schemas.openxmlformats.org/drawingml/2006/main" xmlns:r="http://schemas.openxmlformats.org/officeDocument/2006/relationships" xmlns:p="http://schemas.openxmlformats.org/presentationml/2006/main">
+  <p:cSld>
+    <p:spTree>
+      <p:nvGrpSpPr>
+        <p:cNvPr id="1" name="">
+          <a:extLst>
+            <a:ext uri="{FF2B5EF4-FFF2-40B4-BE49-F238E27FC236}">
+              <a16:creationId xmlns:a16="http://schemas.microsoft.com/office/drawing/2014/main" id="{E74B8A3E-2DFC-4A52-4989-DFD4AA23D50A}"/>
+            </a:ext>
+          </a:extLst>
+        </p:cNvPr>
+        <p:cNvGrpSpPr/>
+        <p:nvPr/>
+      </p:nvGrpSpPr>
+      <p:grpSpPr>
+        <a:xfrm>
+          <a:off x="0" y="0"/>
+          <a:ext cx="0" cy="0"/>
+          <a:chOff x="0" y="0"/>
+          <a:chExt cx="0" cy="0"/>
+        </a:xfrm>
+      </p:grpSpPr>
+      <p:sp>
+        <p:nvSpPr>
+          <p:cNvPr id="10" name="TextBox 9">
+            <a:extLst>
+              <a:ext uri="{FF2B5EF4-FFF2-40B4-BE49-F238E27FC236}">
+                <a16:creationId xmlns:a16="http://schemas.microsoft.com/office/drawing/2014/main" id="{A6EEAC21-015B-A819-7AF9-F38D401E91A4}"/>
+              </a:ext>
+            </a:extLst>
+          </p:cNvPr>
+          <p:cNvSpPr txBox="1"/>
+          <p:nvPr/>
+        </p:nvSpPr>
+        <p:spPr>
+          <a:xfrm>
+            <a:off x="6095998" y="685800"/>
+            <a:ext cx="4819653" cy="3615267"/>
+          </a:xfrm>
+          <a:prstGeom prst="rect">
+            <a:avLst/>
+          </a:prstGeom>
+        </p:spPr>
+        <p:txBody>
+          <a:bodyPr vert="horz" lIns="91440" tIns="45720" rIns="91440" bIns="45720" rtlCol="0" anchor="ctr">
+            <a:normAutofit/>
+          </a:bodyPr>
+          <a:lstStyle/>
+          <a:p>
+            <a:pPr>
+              <a:spcBef>
+                <a:spcPct val="20000"/>
+              </a:spcBef>
+              <a:spcAft>
+                <a:spcPts val="600"/>
+              </a:spcAft>
+              <a:buClr>
+                <a:schemeClr val="tx1"/>
+              </a:buClr>
+              <a:buSzPct val="80000"/>
+              <a:buFont typeface="Wingdings 3" panose="05040102010807070707" pitchFamily="18" charset="2"/>
+              <a:buChar char=""/>
+            </a:pPr>
+            <a:endParaRPr lang="en-US" dirty="0">
+              <a:solidFill>
+                <a:srgbClr val="0F496F"/>
+              </a:solidFill>
+            </a:endParaRPr>
+          </a:p>
+        </p:txBody>
+      </p:sp>
+      <p:sp>
+        <p:nvSpPr>
+          <p:cNvPr id="7" name="TextBox 6">
+            <a:extLst>
+              <a:ext uri="{FF2B5EF4-FFF2-40B4-BE49-F238E27FC236}">
+                <a16:creationId xmlns:a16="http://schemas.microsoft.com/office/drawing/2014/main" id="{86CC888C-0426-FE63-96F1-0C858157D8A3}"/>
+              </a:ext>
+            </a:extLst>
+          </p:cNvPr>
+          <p:cNvSpPr txBox="1"/>
+          <p:nvPr/>
+        </p:nvSpPr>
+        <p:spPr>
+          <a:xfrm>
+            <a:off x="442232" y="605272"/>
+            <a:ext cx="10197193" cy="523220"/>
+          </a:xfrm>
+          <a:prstGeom prst="rect">
+            <a:avLst/>
+          </a:prstGeom>
+          <a:noFill/>
+        </p:spPr>
+        <p:txBody>
+          <a:bodyPr wrap="square" rtlCol="0">
+            <a:spAutoFit/>
+          </a:bodyPr>
+          <a:lstStyle/>
+          <a:p>
+            <a:r>
+              <a:rPr lang="en-AU" sz="2800" b="1" dirty="0"/>
+              <a:t>Recommendations</a:t>
+            </a:r>
+            <a:endParaRPr lang="en-AU" sz="2800" b="1" dirty="0">
+              <a:solidFill>
+                <a:schemeClr val="bg1"/>
+              </a:solidFill>
+            </a:endParaRPr>
+          </a:p>
+        </p:txBody>
+      </p:sp>
+      <p:sp>
+        <p:nvSpPr>
+          <p:cNvPr id="8" name="TextBox 7">
+            <a:extLst>
+              <a:ext uri="{FF2B5EF4-FFF2-40B4-BE49-F238E27FC236}">
+                <a16:creationId xmlns:a16="http://schemas.microsoft.com/office/drawing/2014/main" id="{DA7EDACE-B11F-EC40-325B-9143BC8505CD}"/>
+              </a:ext>
+            </a:extLst>
+          </p:cNvPr>
+          <p:cNvSpPr txBox="1"/>
+          <p:nvPr/>
+        </p:nvSpPr>
+        <p:spPr>
+          <a:xfrm>
+            <a:off x="628651" y="1885951"/>
+            <a:ext cx="8525554" cy="3900107"/>
+          </a:xfrm>
+          <a:prstGeom prst="rect">
+            <a:avLst/>
+          </a:prstGeom>
+          <a:noFill/>
+        </p:spPr>
+        <p:txBody>
+          <a:bodyPr wrap="square">
+            <a:spAutoFit/>
+          </a:bodyPr>
+          <a:lstStyle/>
+          <a:p>
+            <a:pPr marL="285750" indent="-285750">
+              <a:lnSpc>
+                <a:spcPct val="150000"/>
+              </a:lnSpc>
+              <a:buFont typeface="Arial" panose="020B0604020202020204" pitchFamily="34" charset="0"/>
+              <a:buChar char="•"/>
+            </a:pPr>
+            <a:r>
+              <a:rPr lang="en-US" sz="2400" dirty="0"/>
+              <a:t>Focus push notifications on </a:t>
+            </a:r>
+            <a:r>
+              <a:rPr lang="en-US" sz="2400" b="1" dirty="0"/>
+              <a:t>mobile free users</a:t>
+            </a:r>
+            <a:r>
+              <a:rPr lang="en-US" sz="2400" dirty="0"/>
+              <a:t> with premium previews.</a:t>
+            </a:r>
+          </a:p>
+          <a:p>
+            <a:pPr marL="285750" indent="-285750">
+              <a:lnSpc>
+                <a:spcPct val="150000"/>
+              </a:lnSpc>
+              <a:buFont typeface="Arial" panose="020B0604020202020204" pitchFamily="34" charset="0"/>
+              <a:buChar char="•"/>
+            </a:pPr>
+            <a:r>
+              <a:rPr lang="en-US" sz="2400" dirty="0"/>
+              <a:t>Use </a:t>
+            </a:r>
+            <a:r>
+              <a:rPr lang="en-US" sz="2400" b="1" dirty="0"/>
+              <a:t>Drama &amp; Comedy</a:t>
+            </a:r>
+            <a:r>
+              <a:rPr lang="en-US" sz="2400" dirty="0"/>
+              <a:t> content to promote subscriptions.</a:t>
+            </a:r>
+          </a:p>
+          <a:p>
+            <a:pPr marL="285750" indent="-285750">
+              <a:lnSpc>
+                <a:spcPct val="150000"/>
+              </a:lnSpc>
+              <a:buFont typeface="Arial" panose="020B0604020202020204" pitchFamily="34" charset="0"/>
+              <a:buChar char="•"/>
+            </a:pPr>
+            <a:r>
+              <a:rPr lang="en-US" sz="2400" dirty="0"/>
+              <a:t>Since </a:t>
+            </a:r>
+            <a:r>
+              <a:rPr lang="en-US" sz="2400" b="1" dirty="0"/>
+              <a:t>watch time and ratings</a:t>
+            </a:r>
+            <a:r>
+              <a:rPr lang="en-US" sz="2400" dirty="0"/>
+              <a:t> are nearly equal, pricing nudges and exclusive features might convert better than content gating.</a:t>
+            </a:r>
+            <a:endParaRPr lang="en-AU" sz="2400" dirty="0"/>
+          </a:p>
+        </p:txBody>
+      </p:sp>
+    </p:spTree>
+    <p:extLst>
+      <p:ext uri="{BB962C8B-B14F-4D97-AF65-F5344CB8AC3E}">
+        <p14:creationId xmlns:p14="http://schemas.microsoft.com/office/powerpoint/2010/main" val="2906692491"/>
+      </p:ext>
+    </p:extLst>
+  </p:cSld>
+  <p:clrMapOvr>
+    <a:masterClrMapping/>
+  </p:clrMapOvr>
+</p:sld>
+</file>
+
+<file path=ppt/slides/slide25.xml><?xml version="1.0" encoding="utf-8"?>
+<p:sld xmlns:a="http://schemas.openxmlformats.org/drawingml/2006/main" xmlns:r="http://schemas.openxmlformats.org/officeDocument/2006/relationships" xmlns:p="http://schemas.openxmlformats.org/presentationml/2006/main">
+  <p:cSld>
+    <p:spTree>
+      <p:nvGrpSpPr>
+        <p:cNvPr id="1" name="">
+          <a:extLst>
+            <a:ext uri="{FF2B5EF4-FFF2-40B4-BE49-F238E27FC236}">
+              <a16:creationId xmlns:a16="http://schemas.microsoft.com/office/drawing/2014/main" id="{A205D081-1A5C-6A8F-F10A-2EC0B9225382}"/>
+            </a:ext>
+          </a:extLst>
+        </p:cNvPr>
+        <p:cNvGrpSpPr/>
+        <p:nvPr/>
+      </p:nvGrpSpPr>
+      <p:grpSpPr>
+        <a:xfrm>
+          <a:off x="0" y="0"/>
+          <a:ext cx="0" cy="0"/>
+          <a:chOff x="0" y="0"/>
+          <a:chExt cx="0" cy="0"/>
+        </a:xfrm>
+      </p:grpSpPr>
+      <p:sp>
+        <p:nvSpPr>
+          <p:cNvPr id="4" name="Rectangle: Rounded Corners 3">
+            <a:extLst>
+              <a:ext uri="{FF2B5EF4-FFF2-40B4-BE49-F238E27FC236}">
+                <a16:creationId xmlns:a16="http://schemas.microsoft.com/office/drawing/2014/main" id="{EF71A120-8EA5-C134-A19B-EDADB084A3C9}"/>
+              </a:ext>
+            </a:extLst>
+          </p:cNvPr>
+          <p:cNvSpPr/>
+          <p:nvPr/>
+        </p:nvSpPr>
+        <p:spPr>
+          <a:xfrm>
+            <a:off x="1821425" y="913708"/>
+            <a:ext cx="8368496" cy="1862842"/>
+          </a:xfrm>
+          <a:prstGeom prst="roundRect">
+            <a:avLst/>
+          </a:prstGeom>
+          <a:solidFill>
+            <a:srgbClr val="48CAE4"/>
+          </a:solidFill>
+          <a:ln w="38100"/>
+        </p:spPr>
+        <p:style>
+          <a:lnRef idx="2">
+            <a:schemeClr val="accent1">
+              <a:shade val="15000"/>
+            </a:schemeClr>
+          </a:lnRef>
+          <a:fillRef idx="1">
+            <a:schemeClr val="accent1"/>
+          </a:fillRef>
+          <a:effectRef idx="0">
+            <a:schemeClr val="accent1"/>
+          </a:effectRef>
+          <a:fontRef idx="minor">
+            <a:schemeClr val="lt1"/>
+          </a:fontRef>
+        </p:style>
+        <p:txBody>
+          <a:bodyPr rtlCol="0" anchor="ctr"/>
+          <a:lstStyle/>
+          <a:p>
+            <a:pPr algn="ctr"/>
+            <a:r>
+              <a:rPr lang="en-AU" sz="4000" dirty="0"/>
+              <a:t>Subscription Analysis by Country</a:t>
+            </a:r>
+          </a:p>
+        </p:txBody>
+      </p:sp>
+      <p:sp>
+        <p:nvSpPr>
+          <p:cNvPr id="3" name="TextBox 2">
+            <a:extLst>
+              <a:ext uri="{FF2B5EF4-FFF2-40B4-BE49-F238E27FC236}">
+                <a16:creationId xmlns:a16="http://schemas.microsoft.com/office/drawing/2014/main" id="{DB883C70-DC0E-97AA-3FD5-AFDE43F4FCD4}"/>
+              </a:ext>
+            </a:extLst>
+          </p:cNvPr>
+          <p:cNvSpPr txBox="1"/>
+          <p:nvPr/>
+        </p:nvSpPr>
+        <p:spPr>
+          <a:xfrm>
+            <a:off x="2352155" y="3250454"/>
+            <a:ext cx="7307036" cy="830997"/>
+          </a:xfrm>
+          <a:prstGeom prst="rect">
+            <a:avLst/>
+          </a:prstGeom>
+          <a:noFill/>
+          <a:ln>
+            <a:noFill/>
+          </a:ln>
+        </p:spPr>
+        <p:style>
+          <a:lnRef idx="0">
+            <a:scrgbClr r="0" g="0" b="0"/>
+          </a:lnRef>
+          <a:fillRef idx="0">
+            <a:scrgbClr r="0" g="0" b="0"/>
+          </a:fillRef>
+          <a:effectRef idx="0">
+            <a:scrgbClr r="0" g="0" b="0"/>
+          </a:effectRef>
+          <a:fontRef idx="minor">
+            <a:schemeClr val="dk1"/>
+          </a:fontRef>
+        </p:style>
+        <p:txBody>
+          <a:bodyPr rtlCol="0" anchor="ctr"/>
+          <a:lstStyle>
+            <a:defPPr>
+              <a:defRPr lang="en-US"/>
+            </a:defPPr>
+            <a:lvl1pPr algn="ctr">
+              <a:defRPr sz="4800">
+                <a:solidFill>
+                  <a:schemeClr val="lt1"/>
+                </a:solidFill>
+              </a:defRPr>
+            </a:lvl1pPr>
+            <a:lvl2pPr>
+              <a:defRPr>
+                <a:solidFill>
+                  <a:schemeClr val="lt1"/>
+                </a:solidFill>
+              </a:defRPr>
+            </a:lvl2pPr>
+            <a:lvl3pPr>
+              <a:defRPr>
+                <a:solidFill>
+                  <a:schemeClr val="lt1"/>
+                </a:solidFill>
+              </a:defRPr>
+            </a:lvl3pPr>
+            <a:lvl4pPr>
+              <a:defRPr>
+                <a:solidFill>
+                  <a:schemeClr val="lt1"/>
+                </a:solidFill>
+              </a:defRPr>
+            </a:lvl4pPr>
+            <a:lvl5pPr>
+              <a:defRPr>
+                <a:solidFill>
+                  <a:schemeClr val="lt1"/>
+                </a:solidFill>
+              </a:defRPr>
+            </a:lvl5pPr>
+            <a:lvl6pPr>
+              <a:defRPr>
+                <a:solidFill>
+                  <a:schemeClr val="lt1"/>
+                </a:solidFill>
+              </a:defRPr>
+            </a:lvl6pPr>
+            <a:lvl7pPr>
+              <a:defRPr>
+                <a:solidFill>
+                  <a:schemeClr val="lt1"/>
+                </a:solidFill>
+              </a:defRPr>
+            </a:lvl7pPr>
+            <a:lvl8pPr>
+              <a:defRPr>
+                <a:solidFill>
+                  <a:schemeClr val="lt1"/>
+                </a:solidFill>
+              </a:defRPr>
+            </a:lvl8pPr>
+            <a:lvl9pPr>
+              <a:defRPr>
+                <a:solidFill>
+                  <a:schemeClr val="lt1"/>
+                </a:solidFill>
+              </a:defRPr>
+            </a:lvl9pPr>
+          </a:lstStyle>
+          <a:p>
+            <a:r>
+              <a:rPr lang="en-US" sz="2800" dirty="0"/>
+              <a:t>Comparing user </a:t>
+            </a:r>
+            <a:r>
+              <a:rPr lang="en-US" sz="2800" dirty="0" err="1"/>
+              <a:t>behaviour</a:t>
+            </a:r>
+            <a:r>
+              <a:rPr lang="en-US" sz="2800" dirty="0"/>
+              <a:t> and engagement across countries, by Subscription Status.</a:t>
+            </a:r>
+            <a:endParaRPr lang="en-AU" sz="2800" dirty="0"/>
+          </a:p>
+        </p:txBody>
+      </p:sp>
+    </p:spTree>
+    <p:extLst>
+      <p:ext uri="{BB962C8B-B14F-4D97-AF65-F5344CB8AC3E}">
+        <p14:creationId xmlns:p14="http://schemas.microsoft.com/office/powerpoint/2010/main" val="3285469126"/>
+      </p:ext>
+    </p:extLst>
+  </p:cSld>
+  <p:clrMapOvr>
+    <a:masterClrMapping/>
+  </p:clrMapOvr>
+</p:sld>
+</file>
+
+<file path=ppt/slides/slide26.xml><?xml version="1.0" encoding="utf-8"?>
+<p:sld xmlns:a="http://schemas.openxmlformats.org/drawingml/2006/main" xmlns:r="http://schemas.openxmlformats.org/officeDocument/2006/relationships" xmlns:p="http://schemas.openxmlformats.org/presentationml/2006/main">
+  <p:cSld>
+    <p:spTree>
+      <p:nvGrpSpPr>
+        <p:cNvPr id="1" name="">
+          <a:extLst>
+            <a:ext uri="{FF2B5EF4-FFF2-40B4-BE49-F238E27FC236}">
+              <a16:creationId xmlns:a16="http://schemas.microsoft.com/office/drawing/2014/main" id="{8C3C8D38-42F6-36EC-1391-2FF813AF44B0}"/>
+            </a:ext>
+          </a:extLst>
+        </p:cNvPr>
+        <p:cNvGrpSpPr/>
+        <p:nvPr/>
+      </p:nvGrpSpPr>
+      <p:grpSpPr>
+        <a:xfrm>
+          <a:off x="0" y="0"/>
+          <a:ext cx="0" cy="0"/>
+          <a:chOff x="0" y="0"/>
+          <a:chExt cx="0" cy="0"/>
+        </a:xfrm>
+      </p:grpSpPr>
+      <p:sp>
+        <p:nvSpPr>
+          <p:cNvPr id="10" name="TextBox 9">
+            <a:extLst>
+              <a:ext uri="{FF2B5EF4-FFF2-40B4-BE49-F238E27FC236}">
+                <a16:creationId xmlns:a16="http://schemas.microsoft.com/office/drawing/2014/main" id="{587F195A-E43A-85AA-07FA-6C1B31152DC2}"/>
+              </a:ext>
+            </a:extLst>
+          </p:cNvPr>
+          <p:cNvSpPr txBox="1"/>
+          <p:nvPr/>
+        </p:nvSpPr>
+        <p:spPr>
+          <a:xfrm>
+            <a:off x="589190" y="5201765"/>
+            <a:ext cx="10197193" cy="830997"/>
+          </a:xfrm>
+          <a:prstGeom prst="rect">
+            <a:avLst/>
+          </a:prstGeom>
+          <a:noFill/>
+        </p:spPr>
+        <p:txBody>
+          <a:bodyPr wrap="square" rtlCol="0">
+            <a:spAutoFit/>
+          </a:bodyPr>
+          <a:lstStyle/>
+          <a:p>
+            <a:r>
+              <a:rPr lang="en-US" sz="2400" dirty="0"/>
+              <a:t>Canada, USA, and India lead in user count.</a:t>
+            </a:r>
+            <a:br>
+              <a:rPr lang="en-US" sz="2400" dirty="0"/>
+            </a:br>
+            <a:r>
+              <a:rPr lang="en-US" sz="2400" dirty="0"/>
+              <a:t>High Free user base in India and Italy signals opportunity for growth.</a:t>
+            </a:r>
+            <a:endParaRPr lang="en-AU" sz="2400" dirty="0"/>
+          </a:p>
+        </p:txBody>
+      </p:sp>
+      <p:pic>
+        <p:nvPicPr>
+          <p:cNvPr id="4" name="Picture 3">
+            <a:extLst>
+              <a:ext uri="{FF2B5EF4-FFF2-40B4-BE49-F238E27FC236}">
+                <a16:creationId xmlns:a16="http://schemas.microsoft.com/office/drawing/2014/main" id="{1019165C-9FD2-9ABA-EA92-EFCD93906ED4}"/>
+              </a:ext>
+            </a:extLst>
+          </p:cNvPr>
+          <p:cNvPicPr>
+            <a:picLocks noChangeAspect="1"/>
+          </p:cNvPicPr>
+          <p:nvPr/>
+        </p:nvPicPr>
+        <p:blipFill>
+          <a:blip r:embed="rId2"/>
+          <a:stretch>
+            <a:fillRect/>
+          </a:stretch>
+        </p:blipFill>
+        <p:spPr>
+          <a:xfrm>
+            <a:off x="710659" y="924360"/>
+            <a:ext cx="5574533" cy="3394547"/>
+          </a:xfrm>
+          <a:prstGeom prst="rect">
+            <a:avLst/>
+          </a:prstGeom>
+        </p:spPr>
+      </p:pic>
+    </p:spTree>
+    <p:extLst>
+      <p:ext uri="{BB962C8B-B14F-4D97-AF65-F5344CB8AC3E}">
+        <p14:creationId xmlns:p14="http://schemas.microsoft.com/office/powerpoint/2010/main" val="1118458849"/>
+      </p:ext>
+    </p:extLst>
+  </p:cSld>
+  <p:clrMapOvr>
+    <a:masterClrMapping/>
+  </p:clrMapOvr>
+</p:sld>
+</file>
+
+<file path=ppt/slides/slide27.xml><?xml version="1.0" encoding="utf-8"?>
+<p:sld xmlns:a="http://schemas.openxmlformats.org/drawingml/2006/main" xmlns:r="http://schemas.openxmlformats.org/officeDocument/2006/relationships" xmlns:p="http://schemas.openxmlformats.org/presentationml/2006/main">
+  <p:cSld>
+    <p:spTree>
+      <p:nvGrpSpPr>
+        <p:cNvPr id="1" name="">
+          <a:extLst>
+            <a:ext uri="{FF2B5EF4-FFF2-40B4-BE49-F238E27FC236}">
+              <a16:creationId xmlns:a16="http://schemas.microsoft.com/office/drawing/2014/main" id="{E6C4D7E3-8688-4361-7C9E-B34EA7FECA0D}"/>
+            </a:ext>
+          </a:extLst>
+        </p:cNvPr>
+        <p:cNvGrpSpPr/>
+        <p:nvPr/>
+      </p:nvGrpSpPr>
+      <p:grpSpPr>
+        <a:xfrm>
+          <a:off x="0" y="0"/>
+          <a:ext cx="0" cy="0"/>
+          <a:chOff x="0" y="0"/>
+          <a:chExt cx="0" cy="0"/>
+        </a:xfrm>
+      </p:grpSpPr>
+      <p:sp>
+        <p:nvSpPr>
+          <p:cNvPr id="10" name="TextBox 9">
+            <a:extLst>
+              <a:ext uri="{FF2B5EF4-FFF2-40B4-BE49-F238E27FC236}">
+                <a16:creationId xmlns:a16="http://schemas.microsoft.com/office/drawing/2014/main" id="{53EAC117-3810-3B4C-B208-30EF4103E99D}"/>
+              </a:ext>
+            </a:extLst>
+          </p:cNvPr>
+          <p:cNvSpPr txBox="1"/>
+          <p:nvPr/>
+        </p:nvSpPr>
+        <p:spPr>
+          <a:xfrm>
+            <a:off x="589190" y="5201765"/>
+            <a:ext cx="10197193" cy="830997"/>
+          </a:xfrm>
+          <a:prstGeom prst="rect">
+            <a:avLst/>
+          </a:prstGeom>
+          <a:noFill/>
+        </p:spPr>
+        <p:txBody>
+          <a:bodyPr wrap="square" rtlCol="0">
+            <a:spAutoFit/>
+          </a:bodyPr>
+          <a:lstStyle/>
+          <a:p>
+            <a:r>
+              <a:rPr lang="en-US" sz="2400" dirty="0"/>
+              <a:t>Free users in France show highest watch time.</a:t>
+            </a:r>
+            <a:br>
+              <a:rPr lang="en-US" sz="2400" dirty="0"/>
+            </a:br>
+            <a:r>
+              <a:rPr lang="en-US" sz="2400" dirty="0"/>
+              <a:t>Watch time is fairly consistent across subscription tiers.</a:t>
+            </a:r>
+            <a:endParaRPr lang="en-AU" sz="2400" dirty="0"/>
+          </a:p>
+        </p:txBody>
+      </p:sp>
+      <p:pic>
+        <p:nvPicPr>
+          <p:cNvPr id="6" name="Picture 5">
+            <a:extLst>
+              <a:ext uri="{FF2B5EF4-FFF2-40B4-BE49-F238E27FC236}">
+                <a16:creationId xmlns:a16="http://schemas.microsoft.com/office/drawing/2014/main" id="{55A05FC1-C5CE-53CA-8001-F48F096C4516}"/>
+              </a:ext>
+            </a:extLst>
+          </p:cNvPr>
+          <p:cNvPicPr>
+            <a:picLocks noChangeAspect="1"/>
+          </p:cNvPicPr>
+          <p:nvPr/>
+        </p:nvPicPr>
+        <p:blipFill>
+          <a:blip r:embed="rId2"/>
+          <a:stretch>
+            <a:fillRect/>
+          </a:stretch>
+        </p:blipFill>
+        <p:spPr>
+          <a:xfrm>
+            <a:off x="695326" y="942976"/>
+            <a:ext cx="6143624" cy="3238500"/>
+          </a:xfrm>
+          <a:prstGeom prst="rect">
+            <a:avLst/>
+          </a:prstGeom>
+        </p:spPr>
+      </p:pic>
+    </p:spTree>
+    <p:extLst>
+      <p:ext uri="{BB962C8B-B14F-4D97-AF65-F5344CB8AC3E}">
+        <p14:creationId xmlns:p14="http://schemas.microsoft.com/office/powerpoint/2010/main" val="69168167"/>
+      </p:ext>
+    </p:extLst>
+  </p:cSld>
+  <p:clrMapOvr>
+    <a:masterClrMapping/>
+  </p:clrMapOvr>
+</p:sld>
+</file>
+
+<file path=ppt/slides/slide28.xml><?xml version="1.0" encoding="utf-8"?>
+<p:sld xmlns:a="http://schemas.openxmlformats.org/drawingml/2006/main" xmlns:r="http://schemas.openxmlformats.org/officeDocument/2006/relationships" xmlns:p="http://schemas.openxmlformats.org/presentationml/2006/main">
+  <p:cSld>
+    <p:spTree>
+      <p:nvGrpSpPr>
+        <p:cNvPr id="1" name="">
+          <a:extLst>
+            <a:ext uri="{FF2B5EF4-FFF2-40B4-BE49-F238E27FC236}">
+              <a16:creationId xmlns:a16="http://schemas.microsoft.com/office/drawing/2014/main" id="{7906D9BB-647C-C506-A6F6-FA592265DFD2}"/>
+            </a:ext>
+          </a:extLst>
+        </p:cNvPr>
+        <p:cNvGrpSpPr/>
+        <p:nvPr/>
+      </p:nvGrpSpPr>
+      <p:grpSpPr>
+        <a:xfrm>
+          <a:off x="0" y="0"/>
+          <a:ext cx="0" cy="0"/>
+          <a:chOff x="0" y="0"/>
+          <a:chExt cx="0" cy="0"/>
+        </a:xfrm>
+      </p:grpSpPr>
+      <p:sp>
+        <p:nvSpPr>
+          <p:cNvPr id="10" name="TextBox 9">
+            <a:extLst>
+              <a:ext uri="{FF2B5EF4-FFF2-40B4-BE49-F238E27FC236}">
+                <a16:creationId xmlns:a16="http://schemas.microsoft.com/office/drawing/2014/main" id="{7862E561-2DF7-8554-A058-A23808DECD6E}"/>
+              </a:ext>
+            </a:extLst>
+          </p:cNvPr>
+          <p:cNvSpPr txBox="1"/>
+          <p:nvPr/>
+        </p:nvSpPr>
+        <p:spPr>
+          <a:xfrm>
+            <a:off x="589190" y="5201765"/>
+            <a:ext cx="10197193" cy="830997"/>
+          </a:xfrm>
+          <a:prstGeom prst="rect">
+            <a:avLst/>
+          </a:prstGeom>
+          <a:noFill/>
+        </p:spPr>
+        <p:txBody>
+          <a:bodyPr wrap="square" rtlCol="0">
+            <a:spAutoFit/>
+          </a:bodyPr>
+          <a:lstStyle/>
+          <a:p>
+            <a:r>
+              <a:rPr lang="en-US" sz="2400" dirty="0"/>
+              <a:t>Mobile and tablet dominate across all countries.</a:t>
+            </a:r>
+            <a:br>
+              <a:rPr lang="en-US" sz="2400" dirty="0"/>
+            </a:br>
+            <a:r>
+              <a:rPr lang="en-US" sz="2400" dirty="0"/>
+              <a:t>Tailor subscription prompts to device usage patterns.</a:t>
+            </a:r>
+            <a:endParaRPr lang="en-AU" sz="2400" dirty="0"/>
+          </a:p>
+        </p:txBody>
+      </p:sp>
+      <p:pic>
+        <p:nvPicPr>
+          <p:cNvPr id="3" name="Picture 2">
+            <a:extLst>
+              <a:ext uri="{FF2B5EF4-FFF2-40B4-BE49-F238E27FC236}">
+                <a16:creationId xmlns:a16="http://schemas.microsoft.com/office/drawing/2014/main" id="{33AFEF37-2C42-F133-BDFB-125E9A0A9AFC}"/>
+              </a:ext>
+            </a:extLst>
+          </p:cNvPr>
+          <p:cNvPicPr>
+            <a:picLocks noChangeAspect="1"/>
+          </p:cNvPicPr>
+          <p:nvPr/>
+        </p:nvPicPr>
+        <p:blipFill>
+          <a:blip r:embed="rId2"/>
+          <a:stretch>
+            <a:fillRect/>
+          </a:stretch>
+        </p:blipFill>
+        <p:spPr>
+          <a:xfrm>
+            <a:off x="752294" y="1363884"/>
+            <a:ext cx="5896155" cy="3104948"/>
+          </a:xfrm>
+          <a:prstGeom prst="rect">
+            <a:avLst/>
+          </a:prstGeom>
+        </p:spPr>
+      </p:pic>
+    </p:spTree>
+    <p:extLst>
+      <p:ext uri="{BB962C8B-B14F-4D97-AF65-F5344CB8AC3E}">
+        <p14:creationId xmlns:p14="http://schemas.microsoft.com/office/powerpoint/2010/main" val="2137892863"/>
+      </p:ext>
+    </p:extLst>
+  </p:cSld>
+  <p:clrMapOvr>
+    <a:masterClrMapping/>
+  </p:clrMapOvr>
+</p:sld>
+</file>
+
+<file path=ppt/slides/slide29.xml><?xml version="1.0" encoding="utf-8"?>
+<p:sld xmlns:a="http://schemas.openxmlformats.org/drawingml/2006/main" xmlns:r="http://schemas.openxmlformats.org/officeDocument/2006/relationships" xmlns:p="http://schemas.openxmlformats.org/presentationml/2006/main">
+  <p:cSld>
+    <p:spTree>
+      <p:nvGrpSpPr>
+        <p:cNvPr id="1" name="">
+          <a:extLst>
+            <a:ext uri="{FF2B5EF4-FFF2-40B4-BE49-F238E27FC236}">
+              <a16:creationId xmlns:a16="http://schemas.microsoft.com/office/drawing/2014/main" id="{A04E772E-0966-FB3E-EB0B-12DB3B16745B}"/>
+            </a:ext>
+          </a:extLst>
+        </p:cNvPr>
+        <p:cNvGrpSpPr/>
+        <p:nvPr/>
+      </p:nvGrpSpPr>
+      <p:grpSpPr>
+        <a:xfrm>
+          <a:off x="0" y="0"/>
+          <a:ext cx="0" cy="0"/>
+          <a:chOff x="0" y="0"/>
+          <a:chExt cx="0" cy="0"/>
+        </a:xfrm>
+      </p:grpSpPr>
+      <p:sp>
+        <p:nvSpPr>
+          <p:cNvPr id="10" name="TextBox 9">
+            <a:extLst>
+              <a:ext uri="{FF2B5EF4-FFF2-40B4-BE49-F238E27FC236}">
+                <a16:creationId xmlns:a16="http://schemas.microsoft.com/office/drawing/2014/main" id="{45EE890B-191C-BB90-B080-65DDEB36F46C}"/>
+              </a:ext>
+            </a:extLst>
+          </p:cNvPr>
+          <p:cNvSpPr txBox="1"/>
+          <p:nvPr/>
+        </p:nvSpPr>
+        <p:spPr>
+          <a:xfrm>
+            <a:off x="6095998" y="685800"/>
+            <a:ext cx="4819653" cy="3615267"/>
+          </a:xfrm>
+          <a:prstGeom prst="rect">
+            <a:avLst/>
+          </a:prstGeom>
+        </p:spPr>
+        <p:txBody>
+          <a:bodyPr vert="horz" lIns="91440" tIns="45720" rIns="91440" bIns="45720" rtlCol="0" anchor="ctr">
+            <a:normAutofit/>
+          </a:bodyPr>
+          <a:lstStyle/>
+          <a:p>
+            <a:pPr>
+              <a:spcBef>
+                <a:spcPct val="20000"/>
+              </a:spcBef>
+              <a:spcAft>
+                <a:spcPts val="600"/>
+              </a:spcAft>
+              <a:buClr>
+                <a:schemeClr val="tx1"/>
+              </a:buClr>
+              <a:buSzPct val="80000"/>
+              <a:buFont typeface="Wingdings 3" panose="05040102010807070707" pitchFamily="18" charset="2"/>
+              <a:buChar char=""/>
+            </a:pPr>
+            <a:endParaRPr lang="en-US" dirty="0">
+              <a:solidFill>
+                <a:srgbClr val="0F496F"/>
+              </a:solidFill>
+            </a:endParaRPr>
+          </a:p>
+        </p:txBody>
+      </p:sp>
+      <p:sp>
+        <p:nvSpPr>
+          <p:cNvPr id="7" name="TextBox 6">
+            <a:extLst>
+              <a:ext uri="{FF2B5EF4-FFF2-40B4-BE49-F238E27FC236}">
+                <a16:creationId xmlns:a16="http://schemas.microsoft.com/office/drawing/2014/main" id="{3FC99797-B798-DB54-88A2-45A4CCF42C84}"/>
+              </a:ext>
+            </a:extLst>
+          </p:cNvPr>
+          <p:cNvSpPr txBox="1"/>
+          <p:nvPr/>
+        </p:nvSpPr>
+        <p:spPr>
+          <a:xfrm>
+            <a:off x="628651" y="501046"/>
+            <a:ext cx="10197193" cy="523220"/>
+          </a:xfrm>
+          <a:prstGeom prst="rect">
+            <a:avLst/>
+          </a:prstGeom>
+          <a:noFill/>
+        </p:spPr>
+        <p:txBody>
+          <a:bodyPr wrap="square" rtlCol="0">
+            <a:spAutoFit/>
+          </a:bodyPr>
+          <a:lstStyle/>
+          <a:p>
+            <a:r>
+              <a:rPr lang="en-AU" sz="2800" b="1" dirty="0"/>
+              <a:t>Key Insights &amp; Recommendations</a:t>
+            </a:r>
+            <a:endParaRPr lang="en-AU" sz="2800" b="1" dirty="0">
+              <a:solidFill>
+                <a:schemeClr val="bg1"/>
+              </a:solidFill>
+            </a:endParaRPr>
+          </a:p>
+        </p:txBody>
+      </p:sp>
+      <p:sp>
+        <p:nvSpPr>
+          <p:cNvPr id="8" name="TextBox 7">
+            <a:extLst>
+              <a:ext uri="{FF2B5EF4-FFF2-40B4-BE49-F238E27FC236}">
+                <a16:creationId xmlns:a16="http://schemas.microsoft.com/office/drawing/2014/main" id="{CFEC4CE1-7674-BA76-66F8-BB52CD28407F}"/>
+              </a:ext>
+            </a:extLst>
+          </p:cNvPr>
+          <p:cNvSpPr txBox="1"/>
+          <p:nvPr/>
+        </p:nvSpPr>
+        <p:spPr>
+          <a:xfrm>
+            <a:off x="628651" y="1885951"/>
+            <a:ext cx="8525554" cy="2238113"/>
+          </a:xfrm>
+          <a:prstGeom prst="rect">
+            <a:avLst/>
+          </a:prstGeom>
+          <a:noFill/>
+        </p:spPr>
+        <p:txBody>
+          <a:bodyPr wrap="square">
+            <a:spAutoFit/>
+          </a:bodyPr>
+          <a:lstStyle/>
+          <a:p>
+            <a:pPr marL="285750" indent="-285750">
+              <a:lnSpc>
+                <a:spcPct val="150000"/>
+              </a:lnSpc>
+              <a:buFont typeface="Arial" panose="020B0604020202020204" pitchFamily="34" charset="0"/>
+              <a:buChar char="•"/>
+            </a:pPr>
+            <a:r>
+              <a:rPr lang="en-US" sz="2400" dirty="0"/>
+              <a:t>Target France for Free-to-Subscriber conversion</a:t>
+            </a:r>
+          </a:p>
+          <a:p>
+            <a:pPr marL="285750" indent="-285750">
+              <a:lnSpc>
+                <a:spcPct val="150000"/>
+              </a:lnSpc>
+              <a:buFont typeface="Arial" panose="020B0604020202020204" pitchFamily="34" charset="0"/>
+              <a:buChar char="•"/>
+            </a:pPr>
+            <a:r>
+              <a:rPr lang="en-US" sz="2400" dirty="0" err="1"/>
+              <a:t>Optimise</a:t>
+            </a:r>
+            <a:r>
+              <a:rPr lang="en-US" sz="2400" dirty="0"/>
+              <a:t> UI for mobile-first countries subscriptions.</a:t>
+            </a:r>
+          </a:p>
+          <a:p>
+            <a:pPr marL="285750" indent="-285750">
+              <a:lnSpc>
+                <a:spcPct val="150000"/>
+              </a:lnSpc>
+              <a:buFont typeface="Arial" panose="020B0604020202020204" pitchFamily="34" charset="0"/>
+              <a:buChar char="•"/>
+            </a:pPr>
+            <a:r>
+              <a:rPr lang="en-US" sz="2400" dirty="0"/>
+              <a:t>Reinforce value in high-subscription regions</a:t>
+            </a:r>
+          </a:p>
+          <a:p>
+            <a:pPr marL="285750" indent="-285750">
+              <a:lnSpc>
+                <a:spcPct val="150000"/>
+              </a:lnSpc>
+              <a:buFont typeface="Arial" panose="020B0604020202020204" pitchFamily="34" charset="0"/>
+              <a:buChar char="•"/>
+            </a:pPr>
+            <a:r>
+              <a:rPr lang="en-AU" sz="2400" dirty="0"/>
+              <a:t>Geo-personalised engagement</a:t>
+            </a:r>
+          </a:p>
+        </p:txBody>
+      </p:sp>
+    </p:spTree>
+    <p:extLst>
+      <p:ext uri="{BB962C8B-B14F-4D97-AF65-F5344CB8AC3E}">
+        <p14:creationId xmlns:p14="http://schemas.microsoft.com/office/powerpoint/2010/main" val="4141276632"/>
+      </p:ext>
+    </p:extLst>
+  </p:cSld>
+  <p:clrMapOvr>
+    <a:masterClrMapping/>
+  </p:clrMapOvr>
+</p:sld>
+</file>
+
+<file path=ppt/slides/slide3.xml><?xml version="1.0" encoding="utf-8"?>
+<p:sld xmlns:a="http://schemas.openxmlformats.org/drawingml/2006/main" xmlns:r="http://schemas.openxmlformats.org/officeDocument/2006/relationships" xmlns:p="http://schemas.openxmlformats.org/presentationml/2006/main">
+  <p:cSld>
+    <p:spTree>
+      <p:nvGrpSpPr>
+        <p:cNvPr id="1" name=""/>
+        <p:cNvGrpSpPr/>
+        <p:nvPr/>
+      </p:nvGrpSpPr>
+      <p:grpSpPr>
+        <a:xfrm>
+          <a:off x="0" y="0"/>
+          <a:ext cx="0" cy="0"/>
+          <a:chOff x="0" y="0"/>
+          <a:chExt cx="0" cy="0"/>
+        </a:xfrm>
+      </p:grpSpPr>
+      <p:sp>
+        <p:nvSpPr>
+          <p:cNvPr id="2" name="Title 1">
+            <a:extLst>
+              <a:ext uri="{FF2B5EF4-FFF2-40B4-BE49-F238E27FC236}">
+                <a16:creationId xmlns:a16="http://schemas.microsoft.com/office/drawing/2014/main" id="{5C6343FC-9921-E615-0BBB-A0110EDBEE56}"/>
+              </a:ext>
+            </a:extLst>
+          </p:cNvPr>
+          <p:cNvSpPr>
+            <a:spLocks noGrp="1"/>
+          </p:cNvSpPr>
+          <p:nvPr>
+            <p:ph type="title"/>
+          </p:nvPr>
+        </p:nvSpPr>
+        <p:spPr/>
+        <p:txBody>
+          <a:bodyPr/>
+          <a:lstStyle/>
+          <a:p>
+            <a:endParaRPr lang="en-AU"/>
+          </a:p>
+        </p:txBody>
+      </p:sp>
+      <p:sp>
+        <p:nvSpPr>
+          <p:cNvPr id="7" name="Content Placeholder 6">
+            <a:extLst>
+              <a:ext uri="{FF2B5EF4-FFF2-40B4-BE49-F238E27FC236}">
+                <a16:creationId xmlns:a16="http://schemas.microsoft.com/office/drawing/2014/main" id="{5D639679-755C-9EB3-3992-875AA53A7B74}"/>
+              </a:ext>
+            </a:extLst>
+          </p:cNvPr>
+          <p:cNvSpPr>
+            <a:spLocks noGrp="1"/>
+          </p:cNvSpPr>
+          <p:nvPr>
+            <p:ph idx="1"/>
+          </p:nvPr>
+        </p:nvSpPr>
+        <p:spPr/>
+        <p:txBody>
+          <a:bodyPr/>
+          <a:lstStyle/>
+          <a:p>
+            <a:endParaRPr lang="en-AU"/>
+          </a:p>
+        </p:txBody>
+      </p:sp>
+      <p:pic>
+        <p:nvPicPr>
+          <p:cNvPr id="8" name="Content Placeholder 4">
+            <a:extLst>
+              <a:ext uri="{FF2B5EF4-FFF2-40B4-BE49-F238E27FC236}">
+                <a16:creationId xmlns:a16="http://schemas.microsoft.com/office/drawing/2014/main" id="{9AB5E448-63C3-5412-B1C4-96E8EF619DB3}"/>
+              </a:ext>
+            </a:extLst>
+          </p:cNvPr>
+          <p:cNvPicPr>
+            <a:picLocks noChangeAspect="1"/>
+          </p:cNvPicPr>
+          <p:nvPr/>
+        </p:nvPicPr>
+        <p:blipFill>
+          <a:blip r:embed="rId2"/>
+          <a:stretch>
+            <a:fillRect/>
+          </a:stretch>
+        </p:blipFill>
+        <p:spPr>
+          <a:xfrm>
+            <a:off x="0" y="-1"/>
+            <a:ext cx="12192000" cy="6855713"/>
+          </a:xfrm>
+          <a:prstGeom prst="rect">
+            <a:avLst/>
+          </a:prstGeom>
+        </p:spPr>
+      </p:pic>
+    </p:spTree>
+    <p:extLst>
+      <p:ext uri="{BB962C8B-B14F-4D97-AF65-F5344CB8AC3E}">
+        <p14:creationId xmlns:p14="http://schemas.microsoft.com/office/powerpoint/2010/main" val="1668600044"/>
+      </p:ext>
+    </p:extLst>
+  </p:cSld>
+  <p:clrMapOvr>
+    <a:masterClrMapping/>
+  </p:clrMapOvr>
+</p:sld>
+</file>
+
+<file path=ppt/slides/slide30.xml><?xml version="1.0" encoding="utf-8"?>
 <p:sld xmlns:a="http://schemas.openxmlformats.org/drawingml/2006/main" xmlns:r="http://schemas.openxmlformats.org/officeDocument/2006/relationships" xmlns:p="http://schemas.openxmlformats.org/presentationml/2006/main">
   <p:cSld>
     <p:spTree>
@@ -12261,117 +15325,7 @@
 </p:sld>
 </file>
 
-<file path=ppt/slides/slide2.xml><?xml version="1.0" encoding="utf-8"?>
-<p:sld xmlns:a="http://schemas.openxmlformats.org/drawingml/2006/main" xmlns:r="http://schemas.openxmlformats.org/officeDocument/2006/relationships" xmlns:p="http://schemas.openxmlformats.org/presentationml/2006/main">
-  <p:cSld>
-    <p:spTree>
-      <p:nvGrpSpPr>
-        <p:cNvPr id="1" name=""/>
-        <p:cNvGrpSpPr/>
-        <p:nvPr/>
-      </p:nvGrpSpPr>
-      <p:grpSpPr>
-        <a:xfrm>
-          <a:off x="0" y="0"/>
-          <a:ext cx="0" cy="0"/>
-          <a:chOff x="0" y="0"/>
-          <a:chExt cx="0" cy="0"/>
-        </a:xfrm>
-      </p:grpSpPr>
-      <p:sp>
-        <p:nvSpPr>
-          <p:cNvPr id="2" name="Title 1">
-            <a:extLst>
-              <a:ext uri="{FF2B5EF4-FFF2-40B4-BE49-F238E27FC236}">
-                <a16:creationId xmlns:a16="http://schemas.microsoft.com/office/drawing/2014/main" id="{5C6343FC-9921-E615-0BBB-A0110EDBEE56}"/>
-              </a:ext>
-            </a:extLst>
-          </p:cNvPr>
-          <p:cNvSpPr>
-            <a:spLocks noGrp="1"/>
-          </p:cNvSpPr>
-          <p:nvPr>
-            <p:ph type="title"/>
-          </p:nvPr>
-        </p:nvSpPr>
-        <p:spPr/>
-        <p:txBody>
-          <a:bodyPr/>
-          <a:lstStyle/>
-          <a:p>
-            <a:endParaRPr lang="en-AU"/>
-          </a:p>
-        </p:txBody>
-      </p:sp>
-      <p:sp>
-        <p:nvSpPr>
-          <p:cNvPr id="7" name="Content Placeholder 6">
-            <a:extLst>
-              <a:ext uri="{FF2B5EF4-FFF2-40B4-BE49-F238E27FC236}">
-                <a16:creationId xmlns:a16="http://schemas.microsoft.com/office/drawing/2014/main" id="{5D639679-755C-9EB3-3992-875AA53A7B74}"/>
-              </a:ext>
-            </a:extLst>
-          </p:cNvPr>
-          <p:cNvSpPr>
-            <a:spLocks noGrp="1"/>
-          </p:cNvSpPr>
-          <p:nvPr>
-            <p:ph idx="1"/>
-          </p:nvPr>
-        </p:nvSpPr>
-        <p:spPr/>
-        <p:txBody>
-          <a:bodyPr/>
-          <a:lstStyle/>
-          <a:p>
-            <a:endParaRPr lang="en-AU"/>
-          </a:p>
-        </p:txBody>
-      </p:sp>
-      <p:pic>
-        <p:nvPicPr>
-          <p:cNvPr id="8" name="Content Placeholder 4">
-            <a:extLst>
-              <a:ext uri="{FF2B5EF4-FFF2-40B4-BE49-F238E27FC236}">
-                <a16:creationId xmlns:a16="http://schemas.microsoft.com/office/drawing/2014/main" id="{9AB5E448-63C3-5412-B1C4-96E8EF619DB3}"/>
-              </a:ext>
-            </a:extLst>
-          </p:cNvPr>
-          <p:cNvPicPr>
-            <a:picLocks noChangeAspect="1"/>
-          </p:cNvPicPr>
-          <p:nvPr/>
-        </p:nvPicPr>
-        <p:blipFill>
-          <a:blip r:embed="rId2"/>
-          <a:stretch>
-            <a:fillRect/>
-          </a:stretch>
-        </p:blipFill>
-        <p:spPr>
-          <a:xfrm>
-            <a:off x="0" y="-1"/>
-            <a:ext cx="12192000" cy="6855713"/>
-          </a:xfrm>
-          <a:prstGeom prst="rect">
-            <a:avLst/>
-          </a:prstGeom>
-        </p:spPr>
-      </p:pic>
-    </p:spTree>
-    <p:extLst>
-      <p:ext uri="{BB962C8B-B14F-4D97-AF65-F5344CB8AC3E}">
-        <p14:creationId xmlns:p14="http://schemas.microsoft.com/office/powerpoint/2010/main" val="1668600044"/>
-      </p:ext>
-    </p:extLst>
-  </p:cSld>
-  <p:clrMapOvr>
-    <a:masterClrMapping/>
-  </p:clrMapOvr>
-</p:sld>
-</file>
-
-<file path=ppt/slides/slide3.xml><?xml version="1.0" encoding="utf-8"?>
+<file path=ppt/slides/slide4.xml><?xml version="1.0" encoding="utf-8"?>
 <p:sld xmlns:a="http://schemas.openxmlformats.org/drawingml/2006/main" xmlns:r="http://schemas.openxmlformats.org/officeDocument/2006/relationships" xmlns:p="http://schemas.openxmlformats.org/presentationml/2006/main">
   <p:cSld>
     <p:spTree>
@@ -12459,7 +15413,7 @@
 </p:sld>
 </file>
 
-<file path=ppt/slides/slide4.xml><?xml version="1.0" encoding="utf-8"?>
+<file path=ppt/slides/slide5.xml><?xml version="1.0" encoding="utf-8"?>
 <p:sld xmlns:a="http://schemas.openxmlformats.org/drawingml/2006/main" xmlns:r="http://schemas.openxmlformats.org/officeDocument/2006/relationships" xmlns:p="http://schemas.openxmlformats.org/presentationml/2006/main">
   <p:cSld>
     <p:spTree>
@@ -12569,7 +15523,7 @@
 </p:sld>
 </file>
 
-<file path=ppt/slides/slide5.xml><?xml version="1.0" encoding="utf-8"?>
+<file path=ppt/slides/slide6.xml><?xml version="1.0" encoding="utf-8"?>
 <p:sld xmlns:a="http://schemas.openxmlformats.org/drawingml/2006/main" xmlns:r="http://schemas.openxmlformats.org/officeDocument/2006/relationships" xmlns:p="http://schemas.openxmlformats.org/presentationml/2006/main">
   <p:cSld>
     <p:spTree>
@@ -12653,7 +15607,7 @@
 </p:sld>
 </file>
 
-<file path=ppt/slides/slide6.xml><?xml version="1.0" encoding="utf-8"?>
+<file path=ppt/slides/slide7.xml><?xml version="1.0" encoding="utf-8"?>
 <p:sld xmlns:a="http://schemas.openxmlformats.org/drawingml/2006/main" xmlns:r="http://schemas.openxmlformats.org/officeDocument/2006/relationships" xmlns:p="http://schemas.openxmlformats.org/presentationml/2006/main">
   <p:cSld>
     <p:spTree>
@@ -13604,7 +16558,7 @@
 </p:sld>
 </file>
 
-<file path=ppt/slides/slide7.xml><?xml version="1.0" encoding="utf-8"?>
+<file path=ppt/slides/slide8.xml><?xml version="1.0" encoding="utf-8"?>
 <p:sld xmlns:a="http://schemas.openxmlformats.org/drawingml/2006/main" xmlns:r="http://schemas.openxmlformats.org/officeDocument/2006/relationships" xmlns:p="http://schemas.openxmlformats.org/presentationml/2006/main">
   <p:cSld>
     <p:spTree>
@@ -14750,7 +17704,7 @@
 </p:sld>
 </file>
 
-<file path=ppt/slides/slide8.xml><?xml version="1.0" encoding="utf-8"?>
+<file path=ppt/slides/slide9.xml><?xml version="1.0" encoding="utf-8"?>
 <p:sld xmlns:a="http://schemas.openxmlformats.org/drawingml/2006/main" xmlns:r="http://schemas.openxmlformats.org/officeDocument/2006/relationships" xmlns:p="http://schemas.openxmlformats.org/presentationml/2006/main">
   <p:cSld>
     <p:spTree>
@@ -15709,965 +18663,6 @@
 </p:sld>
 </file>
 
-<file path=ppt/slides/slide9.xml><?xml version="1.0" encoding="utf-8"?>
-<p:sld xmlns:a="http://schemas.openxmlformats.org/drawingml/2006/main" xmlns:r="http://schemas.openxmlformats.org/officeDocument/2006/relationships" xmlns:p="http://schemas.openxmlformats.org/presentationml/2006/main">
-  <p:cSld>
-    <p:spTree>
-      <p:nvGrpSpPr>
-        <p:cNvPr id="1" name="">
-          <a:extLst>
-            <a:ext uri="{FF2B5EF4-FFF2-40B4-BE49-F238E27FC236}">
-              <a16:creationId xmlns:a16="http://schemas.microsoft.com/office/drawing/2014/main" id="{52C1ACB4-7BAF-1166-84F7-AFC488F1D3D6}"/>
-            </a:ext>
-          </a:extLst>
-        </p:cNvPr>
-        <p:cNvGrpSpPr/>
-        <p:nvPr/>
-      </p:nvGrpSpPr>
-      <p:grpSpPr>
-        <a:xfrm>
-          <a:off x="0" y="0"/>
-          <a:ext cx="0" cy="0"/>
-          <a:chOff x="0" y="0"/>
-          <a:chExt cx="0" cy="0"/>
-        </a:xfrm>
-      </p:grpSpPr>
-      <p:sp>
-        <p:nvSpPr>
-          <p:cNvPr id="24" name="Rectangle: Rounded Corners 23">
-            <a:extLst>
-              <a:ext uri="{FF2B5EF4-FFF2-40B4-BE49-F238E27FC236}">
-                <a16:creationId xmlns:a16="http://schemas.microsoft.com/office/drawing/2014/main" id="{96258E2B-89A2-0CDB-22C7-F4E547E01FD4}"/>
-              </a:ext>
-            </a:extLst>
-          </p:cNvPr>
-          <p:cNvSpPr/>
-          <p:nvPr/>
-        </p:nvSpPr>
-        <p:spPr>
-          <a:xfrm>
-            <a:off x="2131667" y="2235629"/>
-            <a:ext cx="8368496" cy="2389693"/>
-          </a:xfrm>
-          <a:prstGeom prst="roundRect">
-            <a:avLst/>
-          </a:prstGeom>
-          <a:solidFill>
-            <a:srgbClr val="48CAE4"/>
-          </a:solidFill>
-          <a:ln w="38100"/>
-        </p:spPr>
-        <p:style>
-          <a:lnRef idx="2">
-            <a:schemeClr val="accent1">
-              <a:shade val="15000"/>
-            </a:schemeClr>
-          </a:lnRef>
-          <a:fillRef idx="1">
-            <a:schemeClr val="accent1"/>
-          </a:fillRef>
-          <a:effectRef idx="0">
-            <a:schemeClr val="accent1"/>
-          </a:effectRef>
-          <a:fontRef idx="minor">
-            <a:schemeClr val="lt1"/>
-          </a:fontRef>
-        </p:style>
-        <p:txBody>
-          <a:bodyPr rtlCol="0" anchor="ctr"/>
-          <a:lstStyle/>
-          <a:p>
-            <a:pPr algn="ctr"/>
-            <a:r>
-              <a:rPr lang="en-AU" sz="6000" dirty="0"/>
-              <a:t>Age Group</a:t>
-            </a:r>
-          </a:p>
-          <a:p>
-            <a:pPr algn="ctr"/>
-            <a:r>
-              <a:rPr lang="en-AU" sz="5000" dirty="0"/>
-              <a:t>Adult (36 - 55)</a:t>
-            </a:r>
-          </a:p>
-        </p:txBody>
-      </p:sp>
-      <p:pic>
-        <p:nvPicPr>
-          <p:cNvPr id="9" name="Picture 8">
-            <a:extLst>
-              <a:ext uri="{FF2B5EF4-FFF2-40B4-BE49-F238E27FC236}">
-                <a16:creationId xmlns:a16="http://schemas.microsoft.com/office/drawing/2014/main" id="{12F69BFA-3499-9CC4-E7FA-960613641F89}"/>
-              </a:ext>
-            </a:extLst>
-          </p:cNvPr>
-          <p:cNvPicPr>
-            <a:picLocks noChangeAspect="1"/>
-          </p:cNvPicPr>
-          <p:nvPr/>
-        </p:nvPicPr>
-        <p:blipFill>
-          <a:blip r:embed="rId2"/>
-          <a:stretch>
-            <a:fillRect/>
-          </a:stretch>
-        </p:blipFill>
-        <p:spPr>
-          <a:xfrm>
-            <a:off x="171450" y="23525"/>
-            <a:ext cx="11866221" cy="6801138"/>
-          </a:xfrm>
-          <a:prstGeom prst="rect">
-            <a:avLst/>
-          </a:prstGeom>
-        </p:spPr>
-      </p:pic>
-      <p:sp>
-        <p:nvSpPr>
-          <p:cNvPr id="10" name="Rectangle: Rounded Corners 9">
-            <a:extLst>
-              <a:ext uri="{FF2B5EF4-FFF2-40B4-BE49-F238E27FC236}">
-                <a16:creationId xmlns:a16="http://schemas.microsoft.com/office/drawing/2014/main" id="{BD163380-5A70-AA82-5D20-B3C45CE832D8}"/>
-              </a:ext>
-            </a:extLst>
-          </p:cNvPr>
-          <p:cNvSpPr/>
-          <p:nvPr/>
-        </p:nvSpPr>
-        <p:spPr>
-          <a:xfrm>
-            <a:off x="4159241" y="2687660"/>
-            <a:ext cx="542925" cy="333375"/>
-          </a:xfrm>
-          <a:prstGeom prst="roundRect">
-            <a:avLst/>
-          </a:prstGeom>
-          <a:noFill/>
-          <a:ln w="28575">
-            <a:solidFill>
-              <a:srgbClr val="FF0000"/>
-            </a:solidFill>
-          </a:ln>
-        </p:spPr>
-        <p:style>
-          <a:lnRef idx="2">
-            <a:schemeClr val="accent1">
-              <a:shade val="15000"/>
-            </a:schemeClr>
-          </a:lnRef>
-          <a:fillRef idx="1">
-            <a:schemeClr val="accent1"/>
-          </a:fillRef>
-          <a:effectRef idx="0">
-            <a:schemeClr val="accent1"/>
-          </a:effectRef>
-          <a:fontRef idx="minor">
-            <a:schemeClr val="lt1"/>
-          </a:fontRef>
-        </p:style>
-        <p:txBody>
-          <a:bodyPr rtlCol="0" anchor="ctr"/>
-          <a:lstStyle/>
-          <a:p>
-            <a:pPr algn="ctr"/>
-            <a:endParaRPr lang="en-AU"/>
-          </a:p>
-        </p:txBody>
-      </p:sp>
-      <p:cxnSp>
-        <p:nvCxnSpPr>
-          <p:cNvPr id="11" name="Straight Arrow Connector 10">
-            <a:extLst>
-              <a:ext uri="{FF2B5EF4-FFF2-40B4-BE49-F238E27FC236}">
-                <a16:creationId xmlns:a16="http://schemas.microsoft.com/office/drawing/2014/main" id="{EB0287C4-4D0D-6C58-6416-B179DB656AFB}"/>
-              </a:ext>
-            </a:extLst>
-          </p:cNvPr>
-          <p:cNvCxnSpPr>
-            <a:cxnSpLocks/>
-          </p:cNvCxnSpPr>
-          <p:nvPr/>
-        </p:nvCxnSpPr>
-        <p:spPr>
-          <a:xfrm flipV="1">
-            <a:off x="3238985" y="2853684"/>
-            <a:ext cx="750737" cy="369597"/>
-          </a:xfrm>
-          <a:prstGeom prst="straightConnector1">
-            <a:avLst/>
-          </a:prstGeom>
-          <a:ln w="28575">
-            <a:solidFill>
-              <a:srgbClr val="FF0000">
-                <a:alpha val="60000"/>
-              </a:srgbClr>
-            </a:solidFill>
-            <a:tailEnd type="triangle"/>
-          </a:ln>
-        </p:spPr>
-        <p:style>
-          <a:lnRef idx="1">
-            <a:schemeClr val="accent1"/>
-          </a:lnRef>
-          <a:fillRef idx="0">
-            <a:schemeClr val="accent1"/>
-          </a:fillRef>
-          <a:effectRef idx="0">
-            <a:schemeClr val="accent1"/>
-          </a:effectRef>
-          <a:fontRef idx="minor">
-            <a:schemeClr val="tx1"/>
-          </a:fontRef>
-        </p:style>
-      </p:cxnSp>
-      <p:sp>
-        <p:nvSpPr>
-          <p:cNvPr id="12" name="Rectangle: Rounded Corners 11">
-            <a:extLst>
-              <a:ext uri="{FF2B5EF4-FFF2-40B4-BE49-F238E27FC236}">
-                <a16:creationId xmlns:a16="http://schemas.microsoft.com/office/drawing/2014/main" id="{A23AE90F-1BEF-86F6-95E2-9903C9DE2855}"/>
-              </a:ext>
-            </a:extLst>
-          </p:cNvPr>
-          <p:cNvSpPr/>
-          <p:nvPr/>
-        </p:nvSpPr>
-        <p:spPr>
-          <a:xfrm>
-            <a:off x="3503654" y="4336620"/>
-            <a:ext cx="447675" cy="238126"/>
-          </a:xfrm>
-          <a:prstGeom prst="roundRect">
-            <a:avLst/>
-          </a:prstGeom>
-          <a:noFill/>
-          <a:ln w="28575">
-            <a:solidFill>
-              <a:srgbClr val="FF0000"/>
-            </a:solidFill>
-          </a:ln>
-        </p:spPr>
-        <p:style>
-          <a:lnRef idx="2">
-            <a:schemeClr val="accent1">
-              <a:shade val="15000"/>
-            </a:schemeClr>
-          </a:lnRef>
-          <a:fillRef idx="1">
-            <a:schemeClr val="accent1"/>
-          </a:fillRef>
-          <a:effectRef idx="0">
-            <a:schemeClr val="accent1"/>
-          </a:effectRef>
-          <a:fontRef idx="minor">
-            <a:schemeClr val="lt1"/>
-          </a:fontRef>
-        </p:style>
-        <p:txBody>
-          <a:bodyPr rtlCol="0" anchor="ctr"/>
-          <a:lstStyle/>
-          <a:p>
-            <a:pPr algn="ctr"/>
-            <a:endParaRPr lang="en-AU"/>
-          </a:p>
-        </p:txBody>
-      </p:sp>
-      <p:cxnSp>
-        <p:nvCxnSpPr>
-          <p:cNvPr id="13" name="Straight Arrow Connector 12">
-            <a:extLst>
-              <a:ext uri="{FF2B5EF4-FFF2-40B4-BE49-F238E27FC236}">
-                <a16:creationId xmlns:a16="http://schemas.microsoft.com/office/drawing/2014/main" id="{1A5A040C-45DC-02D5-A5A4-36B215620181}"/>
-              </a:ext>
-            </a:extLst>
-          </p:cNvPr>
-          <p:cNvCxnSpPr>
-            <a:cxnSpLocks/>
-          </p:cNvCxnSpPr>
-          <p:nvPr/>
-        </p:nvCxnSpPr>
-        <p:spPr>
-          <a:xfrm>
-            <a:off x="2973388" y="4213654"/>
-            <a:ext cx="523875" cy="114299"/>
-          </a:xfrm>
-          <a:prstGeom prst="straightConnector1">
-            <a:avLst/>
-          </a:prstGeom>
-          <a:ln w="28575">
-            <a:solidFill>
-              <a:srgbClr val="FF0000">
-                <a:alpha val="60000"/>
-              </a:srgbClr>
-            </a:solidFill>
-            <a:tailEnd type="triangle"/>
-          </a:ln>
-        </p:spPr>
-        <p:style>
-          <a:lnRef idx="1">
-            <a:schemeClr val="accent1"/>
-          </a:lnRef>
-          <a:fillRef idx="0">
-            <a:schemeClr val="accent1"/>
-          </a:fillRef>
-          <a:effectRef idx="0">
-            <a:schemeClr val="accent1"/>
-          </a:effectRef>
-          <a:fontRef idx="minor">
-            <a:schemeClr val="tx1"/>
-          </a:fontRef>
-        </p:style>
-      </p:cxnSp>
-      <p:sp>
-        <p:nvSpPr>
-          <p:cNvPr id="17" name="Rectangle: Rounded Corners 16">
-            <a:extLst>
-              <a:ext uri="{FF2B5EF4-FFF2-40B4-BE49-F238E27FC236}">
-                <a16:creationId xmlns:a16="http://schemas.microsoft.com/office/drawing/2014/main" id="{A2962EAE-3337-B909-3691-1A2F4D6D5E39}"/>
-              </a:ext>
-            </a:extLst>
-          </p:cNvPr>
-          <p:cNvSpPr/>
-          <p:nvPr/>
-        </p:nvSpPr>
-        <p:spPr>
-          <a:xfrm>
-            <a:off x="8574427" y="2119437"/>
-            <a:ext cx="542925" cy="333375"/>
-          </a:xfrm>
-          <a:prstGeom prst="roundRect">
-            <a:avLst/>
-          </a:prstGeom>
-          <a:noFill/>
-          <a:ln w="28575">
-            <a:solidFill>
-              <a:srgbClr val="FF0000"/>
-            </a:solidFill>
-          </a:ln>
-        </p:spPr>
-        <p:style>
-          <a:lnRef idx="2">
-            <a:schemeClr val="accent1">
-              <a:shade val="15000"/>
-            </a:schemeClr>
-          </a:lnRef>
-          <a:fillRef idx="1">
-            <a:schemeClr val="accent1"/>
-          </a:fillRef>
-          <a:effectRef idx="0">
-            <a:schemeClr val="accent1"/>
-          </a:effectRef>
-          <a:fontRef idx="minor">
-            <a:schemeClr val="lt1"/>
-          </a:fontRef>
-        </p:style>
-        <p:txBody>
-          <a:bodyPr rtlCol="0" anchor="ctr"/>
-          <a:lstStyle/>
-          <a:p>
-            <a:pPr algn="ctr"/>
-            <a:endParaRPr lang="en-AU"/>
-          </a:p>
-        </p:txBody>
-      </p:sp>
-      <p:cxnSp>
-        <p:nvCxnSpPr>
-          <p:cNvPr id="18" name="Straight Arrow Connector 17">
-            <a:extLst>
-              <a:ext uri="{FF2B5EF4-FFF2-40B4-BE49-F238E27FC236}">
-                <a16:creationId xmlns:a16="http://schemas.microsoft.com/office/drawing/2014/main" id="{33B7FC01-449F-74B4-FCEC-905775E782EE}"/>
-              </a:ext>
-            </a:extLst>
-          </p:cNvPr>
-          <p:cNvCxnSpPr>
-            <a:cxnSpLocks/>
-          </p:cNvCxnSpPr>
-          <p:nvPr/>
-        </p:nvCxnSpPr>
-        <p:spPr>
-          <a:xfrm flipV="1">
-            <a:off x="8218026" y="2512974"/>
-            <a:ext cx="488067" cy="994196"/>
-          </a:xfrm>
-          <a:prstGeom prst="straightConnector1">
-            <a:avLst/>
-          </a:prstGeom>
-          <a:ln w="28575">
-            <a:solidFill>
-              <a:srgbClr val="FF0000">
-                <a:alpha val="60000"/>
-              </a:srgbClr>
-            </a:solidFill>
-            <a:tailEnd type="triangle"/>
-          </a:ln>
-        </p:spPr>
-        <p:style>
-          <a:lnRef idx="1">
-            <a:schemeClr val="accent1"/>
-          </a:lnRef>
-          <a:fillRef idx="0">
-            <a:schemeClr val="accent1"/>
-          </a:fillRef>
-          <a:effectRef idx="0">
-            <a:schemeClr val="accent1"/>
-          </a:effectRef>
-          <a:fontRef idx="minor">
-            <a:schemeClr val="tx1"/>
-          </a:fontRef>
-        </p:style>
-      </p:cxnSp>
-      <p:sp>
-        <p:nvSpPr>
-          <p:cNvPr id="19" name="Rectangle: Rounded Corners 18">
-            <a:extLst>
-              <a:ext uri="{FF2B5EF4-FFF2-40B4-BE49-F238E27FC236}">
-                <a16:creationId xmlns:a16="http://schemas.microsoft.com/office/drawing/2014/main" id="{603BB61B-38B4-8CAA-4763-E01386C12F1E}"/>
-              </a:ext>
-            </a:extLst>
-          </p:cNvPr>
-          <p:cNvSpPr/>
-          <p:nvPr/>
-        </p:nvSpPr>
-        <p:spPr>
-          <a:xfrm>
-            <a:off x="6329803" y="5438143"/>
-            <a:ext cx="5279605" cy="261836"/>
-          </a:xfrm>
-          <a:prstGeom prst="roundRect">
-            <a:avLst/>
-          </a:prstGeom>
-          <a:noFill/>
-          <a:ln w="28575">
-            <a:solidFill>
-              <a:srgbClr val="FF0000"/>
-            </a:solidFill>
-          </a:ln>
-        </p:spPr>
-        <p:style>
-          <a:lnRef idx="2">
-            <a:schemeClr val="accent1">
-              <a:shade val="15000"/>
-            </a:schemeClr>
-          </a:lnRef>
-          <a:fillRef idx="1">
-            <a:schemeClr val="accent1"/>
-          </a:fillRef>
-          <a:effectRef idx="0">
-            <a:schemeClr val="accent1"/>
-          </a:effectRef>
-          <a:fontRef idx="minor">
-            <a:schemeClr val="lt1"/>
-          </a:fontRef>
-        </p:style>
-        <p:txBody>
-          <a:bodyPr rtlCol="0" anchor="ctr"/>
-          <a:lstStyle/>
-          <a:p>
-            <a:pPr algn="ctr"/>
-            <a:endParaRPr lang="en-AU"/>
-          </a:p>
-        </p:txBody>
-      </p:sp>
-      <p:cxnSp>
-        <p:nvCxnSpPr>
-          <p:cNvPr id="20" name="Straight Arrow Connector 19">
-            <a:extLst>
-              <a:ext uri="{FF2B5EF4-FFF2-40B4-BE49-F238E27FC236}">
-                <a16:creationId xmlns:a16="http://schemas.microsoft.com/office/drawing/2014/main" id="{440F3A5A-1CC7-CC2E-92AD-6441165055DA}"/>
-              </a:ext>
-            </a:extLst>
-          </p:cNvPr>
-          <p:cNvCxnSpPr>
-            <a:cxnSpLocks/>
-          </p:cNvCxnSpPr>
-          <p:nvPr/>
-        </p:nvCxnSpPr>
-        <p:spPr>
-          <a:xfrm>
-            <a:off x="5799537" y="5315177"/>
-            <a:ext cx="427643" cy="261836"/>
-          </a:xfrm>
-          <a:prstGeom prst="straightConnector1">
-            <a:avLst/>
-          </a:prstGeom>
-          <a:ln w="28575">
-            <a:solidFill>
-              <a:srgbClr val="FF0000">
-                <a:alpha val="60000"/>
-              </a:srgbClr>
-            </a:solidFill>
-            <a:tailEnd type="triangle"/>
-          </a:ln>
-        </p:spPr>
-        <p:style>
-          <a:lnRef idx="1">
-            <a:schemeClr val="accent1"/>
-          </a:lnRef>
-          <a:fillRef idx="0">
-            <a:schemeClr val="accent1"/>
-          </a:fillRef>
-          <a:effectRef idx="0">
-            <a:schemeClr val="accent1"/>
-          </a:effectRef>
-          <a:fontRef idx="minor">
-            <a:schemeClr val="tx1"/>
-          </a:fontRef>
-        </p:style>
-      </p:cxnSp>
-    </p:spTree>
-    <p:extLst>
-      <p:ext uri="{BB962C8B-B14F-4D97-AF65-F5344CB8AC3E}">
-        <p14:creationId xmlns:p14="http://schemas.microsoft.com/office/powerpoint/2010/main" val="3653867774"/>
-      </p:ext>
-    </p:extLst>
-  </p:cSld>
-  <p:clrMapOvr>
-    <a:masterClrMapping/>
-  </p:clrMapOvr>
-  <p:timing>
-    <p:tnLst>
-      <p:par>
-        <p:cTn id="1" dur="indefinite" restart="never" nodeType="tmRoot">
-          <p:childTnLst>
-            <p:seq concurrent="1" nextAc="seek">
-              <p:cTn id="2" dur="indefinite" nodeType="mainSeq">
-                <p:childTnLst>
-                  <p:par>
-                    <p:cTn id="3" fill="hold">
-                      <p:stCondLst>
-                        <p:cond delay="indefinite"/>
-                      </p:stCondLst>
-                      <p:childTnLst>
-                        <p:par>
-                          <p:cTn id="4" fill="hold">
-                            <p:stCondLst>
-                              <p:cond delay="0"/>
-                            </p:stCondLst>
-                            <p:childTnLst>
-                              <p:par>
-                                <p:cTn id="5" presetID="10" presetClass="entr" presetSubtype="0" fill="hold" nodeType="clickEffect">
-                                  <p:stCondLst>
-                                    <p:cond delay="0"/>
-                                  </p:stCondLst>
-                                  <p:childTnLst>
-                                    <p:set>
-                                      <p:cBhvr>
-                                        <p:cTn id="6" dur="1" fill="hold">
-                                          <p:stCondLst>
-                                            <p:cond delay="0"/>
-                                          </p:stCondLst>
-                                        </p:cTn>
-                                        <p:tgtEl>
-                                          <p:spTgt spid="9"/>
-                                        </p:tgtEl>
-                                        <p:attrNameLst>
-                                          <p:attrName>style.visibility</p:attrName>
-                                        </p:attrNameLst>
-                                      </p:cBhvr>
-                                      <p:to>
-                                        <p:strVal val="visible"/>
-                                      </p:to>
-                                    </p:set>
-                                    <p:animEffect transition="in" filter="fade">
-                                      <p:cBhvr>
-                                        <p:cTn id="7" dur="500"/>
-                                        <p:tgtEl>
-                                          <p:spTgt spid="9"/>
-                                        </p:tgtEl>
-                                      </p:cBhvr>
-                                    </p:animEffect>
-                                  </p:childTnLst>
-                                </p:cTn>
-                              </p:par>
-                            </p:childTnLst>
-                          </p:cTn>
-                        </p:par>
-                      </p:childTnLst>
-                    </p:cTn>
-                  </p:par>
-                  <p:par>
-                    <p:cTn id="8" fill="hold">
-                      <p:stCondLst>
-                        <p:cond delay="indefinite"/>
-                      </p:stCondLst>
-                      <p:childTnLst>
-                        <p:par>
-                          <p:cTn id="9" fill="hold">
-                            <p:stCondLst>
-                              <p:cond delay="0"/>
-                            </p:stCondLst>
-                            <p:childTnLst>
-                              <p:par>
-                                <p:cTn id="10" presetID="10" presetClass="entr" presetSubtype="0" fill="hold" nodeType="clickEffect">
-                                  <p:stCondLst>
-                                    <p:cond delay="0"/>
-                                  </p:stCondLst>
-                                  <p:childTnLst>
-                                    <p:set>
-                                      <p:cBhvr>
-                                        <p:cTn id="11" dur="1" fill="hold">
-                                          <p:stCondLst>
-                                            <p:cond delay="0"/>
-                                          </p:stCondLst>
-                                        </p:cTn>
-                                        <p:tgtEl>
-                                          <p:spTgt spid="11"/>
-                                        </p:tgtEl>
-                                        <p:attrNameLst>
-                                          <p:attrName>style.visibility</p:attrName>
-                                        </p:attrNameLst>
-                                      </p:cBhvr>
-                                      <p:to>
-                                        <p:strVal val="visible"/>
-                                      </p:to>
-                                    </p:set>
-                                    <p:animEffect transition="in" filter="fade">
-                                      <p:cBhvr>
-                                        <p:cTn id="12" dur="500"/>
-                                        <p:tgtEl>
-                                          <p:spTgt spid="11"/>
-                                        </p:tgtEl>
-                                      </p:cBhvr>
-                                    </p:animEffect>
-                                  </p:childTnLst>
-                                </p:cTn>
-                              </p:par>
-                              <p:par>
-                                <p:cTn id="13" presetID="10" presetClass="entr" presetSubtype="0" fill="hold" grpId="0" nodeType="withEffect">
-                                  <p:stCondLst>
-                                    <p:cond delay="0"/>
-                                  </p:stCondLst>
-                                  <p:childTnLst>
-                                    <p:set>
-                                      <p:cBhvr>
-                                        <p:cTn id="14" dur="1" fill="hold">
-                                          <p:stCondLst>
-                                            <p:cond delay="0"/>
-                                          </p:stCondLst>
-                                        </p:cTn>
-                                        <p:tgtEl>
-                                          <p:spTgt spid="10"/>
-                                        </p:tgtEl>
-                                        <p:attrNameLst>
-                                          <p:attrName>style.visibility</p:attrName>
-                                        </p:attrNameLst>
-                                      </p:cBhvr>
-                                      <p:to>
-                                        <p:strVal val="visible"/>
-                                      </p:to>
-                                    </p:set>
-                                    <p:animEffect transition="in" filter="fade">
-                                      <p:cBhvr>
-                                        <p:cTn id="15" dur="500"/>
-                                        <p:tgtEl>
-                                          <p:spTgt spid="10"/>
-                                        </p:tgtEl>
-                                      </p:cBhvr>
-                                    </p:animEffect>
-                                  </p:childTnLst>
-                                </p:cTn>
-                              </p:par>
-                            </p:childTnLst>
-                          </p:cTn>
-                        </p:par>
-                      </p:childTnLst>
-                    </p:cTn>
-                  </p:par>
-                  <p:par>
-                    <p:cTn id="16" fill="hold">
-                      <p:stCondLst>
-                        <p:cond delay="indefinite"/>
-                      </p:stCondLst>
-                      <p:childTnLst>
-                        <p:par>
-                          <p:cTn id="17" fill="hold">
-                            <p:stCondLst>
-                              <p:cond delay="0"/>
-                            </p:stCondLst>
-                            <p:childTnLst>
-                              <p:par>
-                                <p:cTn id="18" presetID="10" presetClass="entr" presetSubtype="0" fill="hold" nodeType="clickEffect">
-                                  <p:stCondLst>
-                                    <p:cond delay="0"/>
-                                  </p:stCondLst>
-                                  <p:childTnLst>
-                                    <p:set>
-                                      <p:cBhvr>
-                                        <p:cTn id="19" dur="1" fill="hold">
-                                          <p:stCondLst>
-                                            <p:cond delay="0"/>
-                                          </p:stCondLst>
-                                        </p:cTn>
-                                        <p:tgtEl>
-                                          <p:spTgt spid="13"/>
-                                        </p:tgtEl>
-                                        <p:attrNameLst>
-                                          <p:attrName>style.visibility</p:attrName>
-                                        </p:attrNameLst>
-                                      </p:cBhvr>
-                                      <p:to>
-                                        <p:strVal val="visible"/>
-                                      </p:to>
-                                    </p:set>
-                                    <p:animEffect transition="in" filter="fade">
-                                      <p:cBhvr>
-                                        <p:cTn id="20" dur="500"/>
-                                        <p:tgtEl>
-                                          <p:spTgt spid="13"/>
-                                        </p:tgtEl>
-                                      </p:cBhvr>
-                                    </p:animEffect>
-                                  </p:childTnLst>
-                                </p:cTn>
-                              </p:par>
-                              <p:par>
-                                <p:cTn id="21" presetID="10" presetClass="entr" presetSubtype="0" fill="hold" grpId="0" nodeType="withEffect">
-                                  <p:stCondLst>
-                                    <p:cond delay="0"/>
-                                  </p:stCondLst>
-                                  <p:childTnLst>
-                                    <p:set>
-                                      <p:cBhvr>
-                                        <p:cTn id="22" dur="1" fill="hold">
-                                          <p:stCondLst>
-                                            <p:cond delay="0"/>
-                                          </p:stCondLst>
-                                        </p:cTn>
-                                        <p:tgtEl>
-                                          <p:spTgt spid="12"/>
-                                        </p:tgtEl>
-                                        <p:attrNameLst>
-                                          <p:attrName>style.visibility</p:attrName>
-                                        </p:attrNameLst>
-                                      </p:cBhvr>
-                                      <p:to>
-                                        <p:strVal val="visible"/>
-                                      </p:to>
-                                    </p:set>
-                                    <p:animEffect transition="in" filter="fade">
-                                      <p:cBhvr>
-                                        <p:cTn id="23" dur="500"/>
-                                        <p:tgtEl>
-                                          <p:spTgt spid="12"/>
-                                        </p:tgtEl>
-                                      </p:cBhvr>
-                                    </p:animEffect>
-                                  </p:childTnLst>
-                                </p:cTn>
-                              </p:par>
-                            </p:childTnLst>
-                          </p:cTn>
-                        </p:par>
-                      </p:childTnLst>
-                    </p:cTn>
-                  </p:par>
-                  <p:par>
-                    <p:cTn id="24" fill="hold">
-                      <p:stCondLst>
-                        <p:cond delay="indefinite"/>
-                      </p:stCondLst>
-                      <p:childTnLst>
-                        <p:par>
-                          <p:cTn id="25" fill="hold">
-                            <p:stCondLst>
-                              <p:cond delay="0"/>
-                            </p:stCondLst>
-                            <p:childTnLst>
-                              <p:par>
-                                <p:cTn id="26" presetID="10" presetClass="entr" presetSubtype="0" fill="hold" grpId="0" nodeType="clickEffect">
-                                  <p:stCondLst>
-                                    <p:cond delay="0"/>
-                                  </p:stCondLst>
-                                  <p:childTnLst>
-                                    <p:set>
-                                      <p:cBhvr>
-                                        <p:cTn id="27" dur="1" fill="hold">
-                                          <p:stCondLst>
-                                            <p:cond delay="0"/>
-                                          </p:stCondLst>
-                                        </p:cTn>
-                                        <p:tgtEl>
-                                          <p:spTgt spid="17"/>
-                                        </p:tgtEl>
-                                        <p:attrNameLst>
-                                          <p:attrName>style.visibility</p:attrName>
-                                        </p:attrNameLst>
-                                      </p:cBhvr>
-                                      <p:to>
-                                        <p:strVal val="visible"/>
-                                      </p:to>
-                                    </p:set>
-                                    <p:animEffect transition="in" filter="fade">
-                                      <p:cBhvr>
-                                        <p:cTn id="28" dur="500"/>
-                                        <p:tgtEl>
-                                          <p:spTgt spid="17"/>
-                                        </p:tgtEl>
-                                      </p:cBhvr>
-                                    </p:animEffect>
-                                  </p:childTnLst>
-                                </p:cTn>
-                              </p:par>
-                              <p:par>
-                                <p:cTn id="29" presetID="10" presetClass="entr" presetSubtype="0" fill="hold" nodeType="withEffect">
-                                  <p:stCondLst>
-                                    <p:cond delay="0"/>
-                                  </p:stCondLst>
-                                  <p:childTnLst>
-                                    <p:set>
-                                      <p:cBhvr>
-                                        <p:cTn id="30" dur="1" fill="hold">
-                                          <p:stCondLst>
-                                            <p:cond delay="0"/>
-                                          </p:stCondLst>
-                                        </p:cTn>
-                                        <p:tgtEl>
-                                          <p:spTgt spid="18"/>
-                                        </p:tgtEl>
-                                        <p:attrNameLst>
-                                          <p:attrName>style.visibility</p:attrName>
-                                        </p:attrNameLst>
-                                      </p:cBhvr>
-                                      <p:to>
-                                        <p:strVal val="visible"/>
-                                      </p:to>
-                                    </p:set>
-                                    <p:animEffect transition="in" filter="fade">
-                                      <p:cBhvr>
-                                        <p:cTn id="31" dur="500"/>
-                                        <p:tgtEl>
-                                          <p:spTgt spid="18"/>
-                                        </p:tgtEl>
-                                      </p:cBhvr>
-                                    </p:animEffect>
-                                  </p:childTnLst>
-                                </p:cTn>
-                              </p:par>
-                            </p:childTnLst>
-                          </p:cTn>
-                        </p:par>
-                      </p:childTnLst>
-                    </p:cTn>
-                  </p:par>
-                  <p:par>
-                    <p:cTn id="32" fill="hold">
-                      <p:stCondLst>
-                        <p:cond delay="indefinite"/>
-                      </p:stCondLst>
-                      <p:childTnLst>
-                        <p:par>
-                          <p:cTn id="33" fill="hold">
-                            <p:stCondLst>
-                              <p:cond delay="0"/>
-                            </p:stCondLst>
-                            <p:childTnLst>
-                              <p:par>
-                                <p:cTn id="34" presetID="10" presetClass="entr" presetSubtype="0" fill="hold" nodeType="clickEffect">
-                                  <p:stCondLst>
-                                    <p:cond delay="0"/>
-                                  </p:stCondLst>
-                                  <p:childTnLst>
-                                    <p:set>
-                                      <p:cBhvr>
-                                        <p:cTn id="35" dur="1" fill="hold">
-                                          <p:stCondLst>
-                                            <p:cond delay="0"/>
-                                          </p:stCondLst>
-                                        </p:cTn>
-                                        <p:tgtEl>
-                                          <p:spTgt spid="20"/>
-                                        </p:tgtEl>
-                                        <p:attrNameLst>
-                                          <p:attrName>style.visibility</p:attrName>
-                                        </p:attrNameLst>
-                                      </p:cBhvr>
-                                      <p:to>
-                                        <p:strVal val="visible"/>
-                                      </p:to>
-                                    </p:set>
-                                    <p:animEffect transition="in" filter="fade">
-                                      <p:cBhvr>
-                                        <p:cTn id="36" dur="500"/>
-                                        <p:tgtEl>
-                                          <p:spTgt spid="20"/>
-                                        </p:tgtEl>
-                                      </p:cBhvr>
-                                    </p:animEffect>
-                                  </p:childTnLst>
-                                </p:cTn>
-                              </p:par>
-                              <p:par>
-                                <p:cTn id="37" presetID="10" presetClass="entr" presetSubtype="0" fill="hold" grpId="0" nodeType="withEffect">
-                                  <p:stCondLst>
-                                    <p:cond delay="0"/>
-                                  </p:stCondLst>
-                                  <p:childTnLst>
-                                    <p:set>
-                                      <p:cBhvr>
-                                        <p:cTn id="38" dur="1" fill="hold">
-                                          <p:stCondLst>
-                                            <p:cond delay="0"/>
-                                          </p:stCondLst>
-                                        </p:cTn>
-                                        <p:tgtEl>
-                                          <p:spTgt spid="19"/>
-                                        </p:tgtEl>
-                                        <p:attrNameLst>
-                                          <p:attrName>style.visibility</p:attrName>
-                                        </p:attrNameLst>
-                                      </p:cBhvr>
-                                      <p:to>
-                                        <p:strVal val="visible"/>
-                                      </p:to>
-                                    </p:set>
-                                    <p:animEffect transition="in" filter="fade">
-                                      <p:cBhvr>
-                                        <p:cTn id="39" dur="500"/>
-                                        <p:tgtEl>
-                                          <p:spTgt spid="19"/>
-                                        </p:tgtEl>
-                                      </p:cBhvr>
-                                    </p:animEffect>
-                                  </p:childTnLst>
-                                </p:cTn>
-                              </p:par>
-                            </p:childTnLst>
-                          </p:cTn>
-                        </p:par>
-                      </p:childTnLst>
-                    </p:cTn>
-                  </p:par>
-                </p:childTnLst>
-              </p:cTn>
-              <p:prevCondLst>
-                <p:cond evt="onPrev" delay="0">
-                  <p:tgtEl>
-                    <p:sldTgt/>
-                  </p:tgtEl>
-                </p:cond>
-              </p:prevCondLst>
-              <p:nextCondLst>
-                <p:cond evt="onNext" delay="0">
-                  <p:tgtEl>
-                    <p:sldTgt/>
-                  </p:tgtEl>
-                </p:cond>
-              </p:nextCondLst>
-            </p:seq>
-          </p:childTnLst>
-        </p:cTn>
-      </p:par>
-    </p:tnLst>
-    <p:bldLst>
-      <p:bldP spid="10" grpId="0" animBg="1"/>
-      <p:bldP spid="12" grpId="0" animBg="1"/>
-      <p:bldP spid="17" grpId="0" animBg="1"/>
-      <p:bldP spid="19" grpId="0" animBg="1"/>
-    </p:bldLst>
-  </p:timing>
-</p:sld>
-</file>
-
 <file path=ppt/theme/theme1.xml><?xml version="1.0" encoding="utf-8"?>
 <a:theme xmlns:a="http://schemas.openxmlformats.org/drawingml/2006/main" name="Slice">
   <a:themeElements>
